--- a/FitHome.pptx
+++ b/FitHome.pptx
@@ -5,16 +5,23 @@
     <p:sldMasterId id="2147483648" r:id="rId1"/>
   </p:sldMasterIdLst>
   <p:notesMasterIdLst>
-    <p:notesMasterId r:id="rId9"/>
+    <p:notesMasterId r:id="rId16"/>
   </p:notesMasterIdLst>
   <p:sldIdLst>
     <p:sldId id="256" r:id="rId2"/>
     <p:sldId id="257" r:id="rId3"/>
     <p:sldId id="260" r:id="rId4"/>
     <p:sldId id="258" r:id="rId5"/>
-    <p:sldId id="259" r:id="rId6"/>
-    <p:sldId id="261" r:id="rId7"/>
-    <p:sldId id="262" r:id="rId8"/>
+    <p:sldId id="263" r:id="rId6"/>
+    <p:sldId id="259" r:id="rId7"/>
+    <p:sldId id="264" r:id="rId8"/>
+    <p:sldId id="268" r:id="rId9"/>
+    <p:sldId id="261" r:id="rId10"/>
+    <p:sldId id="267" r:id="rId11"/>
+    <p:sldId id="265" r:id="rId12"/>
+    <p:sldId id="266" r:id="rId13"/>
+    <p:sldId id="269" r:id="rId14"/>
+    <p:sldId id="262" r:id="rId15"/>
   </p:sldIdLst>
   <p:sldSz cx="12192000" cy="6858000"/>
   <p:notesSz cx="6858000" cy="9144000"/>
@@ -115,7 +122,7 @@
   </p:defaultTextStyle>
   <p:extLst>
     <p:ext uri="{EFAFB233-063F-42B5-8137-9DF3F51BA10A}">
-      <p15:sldGuideLst xmlns:p15="http://schemas.microsoft.com/office/powerpoint/2012/main"/>
+      <p15:sldGuideLst xmlns:p15="http://schemas.microsoft.com/office/powerpoint/2012/main" xmlns=""/>
     </p:ext>
   </p:extLst>
 </p:presentation>
@@ -203,7 +210,7 @@
           <a:p>
             <a:fld id="{930EC38D-837C-4BFC-A461-DBB4D84BAEAC}" type="datetimeFigureOut">
               <a:rPr lang="ru-RU" smtClean="0"/>
-              <a:t>22.09.2020</a:t>
+              <a:t>29.09.2020</a:t>
             </a:fld>
             <a:endParaRPr lang="ru-RU"/>
           </a:p>
@@ -536,7 +543,7 @@
           <a:p>
             <a:fld id="{D1ADDFE2-316C-4C38-B34C-306BC7EC511F}" type="slidenum">
               <a:rPr lang="ru-RU" smtClean="0"/>
-              <a:t>7</a:t>
+              <a:t>14</a:t>
             </a:fld>
             <a:endParaRPr lang="ru-RU"/>
           </a:p>
@@ -686,7 +693,7 @@
           <a:p>
             <a:fld id="{AE097C11-80F5-481E-B089-278F1DD2686A}" type="datetimeFigureOut">
               <a:rPr lang="ru-RU" smtClean="0"/>
-              <a:t>22.09.2020</a:t>
+              <a:t>29.09.2020</a:t>
             </a:fld>
             <a:endParaRPr lang="ru-RU"/>
           </a:p>
@@ -856,7 +863,7 @@
           <a:p>
             <a:fld id="{AE097C11-80F5-481E-B089-278F1DD2686A}" type="datetimeFigureOut">
               <a:rPr lang="ru-RU" smtClean="0"/>
-              <a:t>22.09.2020</a:t>
+              <a:t>29.09.2020</a:t>
             </a:fld>
             <a:endParaRPr lang="ru-RU"/>
           </a:p>
@@ -1036,7 +1043,7 @@
           <a:p>
             <a:fld id="{AE097C11-80F5-481E-B089-278F1DD2686A}" type="datetimeFigureOut">
               <a:rPr lang="ru-RU" smtClean="0"/>
-              <a:t>22.09.2020</a:t>
+              <a:t>29.09.2020</a:t>
             </a:fld>
             <a:endParaRPr lang="ru-RU"/>
           </a:p>
@@ -1206,7 +1213,7 @@
           <a:p>
             <a:fld id="{AE097C11-80F5-481E-B089-278F1DD2686A}" type="datetimeFigureOut">
               <a:rPr lang="ru-RU" smtClean="0"/>
-              <a:t>22.09.2020</a:t>
+              <a:t>29.09.2020</a:t>
             </a:fld>
             <a:endParaRPr lang="ru-RU"/>
           </a:p>
@@ -1452,7 +1459,7 @@
           <a:p>
             <a:fld id="{AE097C11-80F5-481E-B089-278F1DD2686A}" type="datetimeFigureOut">
               <a:rPr lang="ru-RU" smtClean="0"/>
-              <a:t>22.09.2020</a:t>
+              <a:t>29.09.2020</a:t>
             </a:fld>
             <a:endParaRPr lang="ru-RU"/>
           </a:p>
@@ -1684,7 +1691,7 @@
           <a:p>
             <a:fld id="{AE097C11-80F5-481E-B089-278F1DD2686A}" type="datetimeFigureOut">
               <a:rPr lang="ru-RU" smtClean="0"/>
-              <a:t>22.09.2020</a:t>
+              <a:t>29.09.2020</a:t>
             </a:fld>
             <a:endParaRPr lang="ru-RU"/>
           </a:p>
@@ -2051,7 +2058,7 @@
           <a:p>
             <a:fld id="{AE097C11-80F5-481E-B089-278F1DD2686A}" type="datetimeFigureOut">
               <a:rPr lang="ru-RU" smtClean="0"/>
-              <a:t>22.09.2020</a:t>
+              <a:t>29.09.2020</a:t>
             </a:fld>
             <a:endParaRPr lang="ru-RU"/>
           </a:p>
@@ -2169,7 +2176,7 @@
           <a:p>
             <a:fld id="{AE097C11-80F5-481E-B089-278F1DD2686A}" type="datetimeFigureOut">
               <a:rPr lang="ru-RU" smtClean="0"/>
-              <a:t>22.09.2020</a:t>
+              <a:t>29.09.2020</a:t>
             </a:fld>
             <a:endParaRPr lang="ru-RU"/>
           </a:p>
@@ -2264,7 +2271,7 @@
           <a:p>
             <a:fld id="{AE097C11-80F5-481E-B089-278F1DD2686A}" type="datetimeFigureOut">
               <a:rPr lang="ru-RU" smtClean="0"/>
-              <a:t>22.09.2020</a:t>
+              <a:t>29.09.2020</a:t>
             </a:fld>
             <a:endParaRPr lang="ru-RU"/>
           </a:p>
@@ -2541,7 +2548,7 @@
           <a:p>
             <a:fld id="{AE097C11-80F5-481E-B089-278F1DD2686A}" type="datetimeFigureOut">
               <a:rPr lang="ru-RU" smtClean="0"/>
-              <a:t>22.09.2020</a:t>
+              <a:t>29.09.2020</a:t>
             </a:fld>
             <a:endParaRPr lang="ru-RU"/>
           </a:p>
@@ -2794,7 +2801,7 @@
           <a:p>
             <a:fld id="{AE097C11-80F5-481E-B089-278F1DD2686A}" type="datetimeFigureOut">
               <a:rPr lang="ru-RU" smtClean="0"/>
-              <a:t>22.09.2020</a:t>
+              <a:t>29.09.2020</a:t>
             </a:fld>
             <a:endParaRPr lang="ru-RU"/>
           </a:p>
@@ -3007,7 +3014,7 @@
           <a:p>
             <a:fld id="{AE097C11-80F5-481E-B089-278F1DD2686A}" type="datetimeFigureOut">
               <a:rPr lang="ru-RU" smtClean="0"/>
-              <a:t>22.09.2020</a:t>
+              <a:t>29.09.2020</a:t>
             </a:fld>
             <a:endParaRPr lang="ru-RU"/>
           </a:p>
@@ -3422,16 +3429,36 @@
             <p:ph type="ctrTitle"/>
           </p:nvPr>
         </p:nvSpPr>
-        <p:spPr/>
-        <p:txBody>
-          <a:bodyPr/>
-          <a:lstStyle/>
-          <a:p>
-            <a:r>
-              <a:rPr lang="en-US" dirty="0" err="1" smtClean="0"/>
-              <a:t>FitHome</a:t>
-            </a:r>
-            <a:endParaRPr lang="ru-RU" dirty="0"/>
+        <p:spPr>
+          <a:xfrm>
+            <a:off x="1524000" y="1122363"/>
+            <a:ext cx="9144000" cy="2701492"/>
+          </a:xfrm>
+        </p:spPr>
+        <p:txBody>
+          <a:bodyPr>
+            <a:normAutofit/>
+          </a:bodyPr>
+          <a:lstStyle/>
+          <a:p>
+            <a:r>
+              <a:rPr lang="en-US" sz="8800" dirty="0" err="1" smtClean="0">
+                <a:solidFill>
+                  <a:schemeClr val="accent1">
+                    <a:lumMod val="50000"/>
+                  </a:schemeClr>
+                </a:solidFill>
+                <a:latin typeface="Brush Script MT" panose="03060802040406070304" pitchFamily="66" charset="0"/>
+              </a:rPr>
+              <a:t>HomeFit</a:t>
+            </a:r>
+            <a:endParaRPr lang="ru-RU" sz="8800" dirty="0">
+              <a:solidFill>
+                <a:schemeClr val="accent1">
+                  <a:lumMod val="50000"/>
+                </a:schemeClr>
+              </a:solidFill>
+            </a:endParaRPr>
           </a:p>
         </p:txBody>
       </p:sp>
@@ -3445,16 +3472,29 @@
             <p:ph type="subTitle" idx="1"/>
           </p:nvPr>
         </p:nvSpPr>
-        <p:spPr/>
-        <p:txBody>
-          <a:bodyPr/>
-          <a:lstStyle/>
-          <a:p>
-            <a:r>
-              <a:rPr lang="en-US" dirty="0" err="1" smtClean="0"/>
-              <a:t>kgljfkjgg</a:t>
-            </a:r>
-            <a:endParaRPr lang="ru-RU" dirty="0"/>
+        <p:spPr>
+          <a:xfrm>
+            <a:off x="1524000" y="4003964"/>
+            <a:ext cx="9144000" cy="1253836"/>
+          </a:xfrm>
+        </p:spPr>
+        <p:txBody>
+          <a:bodyPr>
+            <a:normAutofit/>
+          </a:bodyPr>
+          <a:lstStyle/>
+          <a:p>
+            <a:r>
+              <a:rPr lang="ru-RU" sz="2800" dirty="0" smtClean="0">
+                <a:latin typeface="Times New Roman" panose="02020603050405020304" pitchFamily="18" charset="0"/>
+                <a:cs typeface="Times New Roman" panose="02020603050405020304" pitchFamily="18" charset="0"/>
+              </a:rPr>
+              <a:t>Зайцева Анастасия</a:t>
+            </a:r>
+            <a:endParaRPr lang="ru-RU" sz="2800" dirty="0">
+              <a:latin typeface="Times New Roman" panose="02020603050405020304" pitchFamily="18" charset="0"/>
+              <a:cs typeface="Times New Roman" panose="02020603050405020304" pitchFamily="18" charset="0"/>
+            </a:endParaRPr>
           </a:p>
         </p:txBody>
       </p:sp>
@@ -3462,6 +3502,449 @@
     <p:extLst>
       <p:ext uri="{BB962C8B-B14F-4D97-AF65-F5344CB8AC3E}">
         <p14:creationId xmlns:p14="http://schemas.microsoft.com/office/powerpoint/2010/main" val="2356107121"/>
+      </p:ext>
+    </p:extLst>
+  </p:cSld>
+  <p:clrMapOvr>
+    <a:masterClrMapping/>
+  </p:clrMapOvr>
+</p:sld>
+</file>
+
+<file path=ppt/slides/slide10.xml><?xml version="1.0" encoding="utf-8"?>
+<p:sld xmlns:a="http://schemas.openxmlformats.org/drawingml/2006/main" xmlns:r="http://schemas.openxmlformats.org/officeDocument/2006/relationships" xmlns:p="http://schemas.openxmlformats.org/presentationml/2006/main">
+  <p:cSld>
+    <p:spTree>
+      <p:nvGrpSpPr>
+        <p:cNvPr id="1" name=""/>
+        <p:cNvGrpSpPr/>
+        <p:nvPr/>
+      </p:nvGrpSpPr>
+      <p:grpSpPr>
+        <a:xfrm>
+          <a:off x="0" y="0"/>
+          <a:ext cx="0" cy="0"/>
+          <a:chOff x="0" y="0"/>
+          <a:chExt cx="0" cy="0"/>
+        </a:xfrm>
+      </p:grpSpPr>
+      <p:sp>
+        <p:nvSpPr>
+          <p:cNvPr id="2" name="Заголовок 1"/>
+          <p:cNvSpPr>
+            <a:spLocks noGrp="1"/>
+          </p:cNvSpPr>
+          <p:nvPr>
+            <p:ph type="title"/>
+          </p:nvPr>
+        </p:nvSpPr>
+        <p:spPr/>
+        <p:txBody>
+          <a:bodyPr/>
+          <a:lstStyle/>
+          <a:p>
+            <a:endParaRPr lang="ru-RU"/>
+          </a:p>
+        </p:txBody>
+      </p:sp>
+      <p:pic>
+        <p:nvPicPr>
+          <p:cNvPr id="4099" name="Picture 3"/>
+          <p:cNvPicPr>
+            <a:picLocks noGrp="1" noChangeAspect="1" noChangeArrowheads="1"/>
+          </p:cNvPicPr>
+          <p:nvPr>
+            <p:ph idx="1"/>
+          </p:nvPr>
+        </p:nvPicPr>
+        <p:blipFill>
+          <a:blip r:embed="rId2">
+            <a:extLst>
+              <a:ext uri="{28A0092B-C50C-407E-A947-70E740481C1C}">
+                <a14:useLocalDpi xmlns:a14="http://schemas.microsoft.com/office/drawing/2010/main" val="0"/>
+              </a:ext>
+            </a:extLst>
+          </a:blip>
+          <a:srcRect/>
+          <a:stretch>
+            <a:fillRect/>
+          </a:stretch>
+        </p:blipFill>
+        <p:spPr bwMode="auto">
+          <a:xfrm>
+            <a:off x="617351" y="374072"/>
+            <a:ext cx="10814462" cy="5763491"/>
+          </a:xfrm>
+          <a:prstGeom prst="rect">
+            <a:avLst/>
+          </a:prstGeom>
+          <a:noFill/>
+          <a:ln>
+            <a:noFill/>
+          </a:ln>
+          <a:extLst>
+            <a:ext uri="{909E8E84-426E-40DD-AFC4-6F175D3DCCD1}">
+              <a14:hiddenFill xmlns:a14="http://schemas.microsoft.com/office/drawing/2010/main">
+                <a:solidFill>
+                  <a:schemeClr val="accent1"/>
+                </a:solidFill>
+              </a14:hiddenFill>
+            </a:ext>
+            <a:ext uri="{91240B29-F687-4F45-9708-019B960494DF}">
+              <a14:hiddenLine xmlns:a14="http://schemas.microsoft.com/office/drawing/2010/main" w="9525">
+                <a:solidFill>
+                  <a:schemeClr val="tx1"/>
+                </a:solidFill>
+                <a:miter lim="800000"/>
+                <a:headEnd/>
+                <a:tailEnd/>
+              </a14:hiddenLine>
+            </a:ext>
+          </a:extLst>
+        </p:spPr>
+      </p:pic>
+    </p:spTree>
+    <p:extLst>
+      <p:ext uri="{BB962C8B-B14F-4D97-AF65-F5344CB8AC3E}">
+        <p14:creationId xmlns:p14="http://schemas.microsoft.com/office/powerpoint/2010/main" val="1269624688"/>
+      </p:ext>
+    </p:extLst>
+  </p:cSld>
+  <p:clrMapOvr>
+    <a:masterClrMapping/>
+  </p:clrMapOvr>
+</p:sld>
+</file>
+
+<file path=ppt/slides/slide11.xml><?xml version="1.0" encoding="utf-8"?>
+<p:sld xmlns:a="http://schemas.openxmlformats.org/drawingml/2006/main" xmlns:r="http://schemas.openxmlformats.org/officeDocument/2006/relationships" xmlns:p="http://schemas.openxmlformats.org/presentationml/2006/main">
+  <p:cSld>
+    <p:spTree>
+      <p:nvGrpSpPr>
+        <p:cNvPr id="1" name=""/>
+        <p:cNvGrpSpPr/>
+        <p:nvPr/>
+      </p:nvGrpSpPr>
+      <p:grpSpPr>
+        <a:xfrm>
+          <a:off x="0" y="0"/>
+          <a:ext cx="0" cy="0"/>
+          <a:chOff x="0" y="0"/>
+          <a:chExt cx="0" cy="0"/>
+        </a:xfrm>
+      </p:grpSpPr>
+      <p:sp>
+        <p:nvSpPr>
+          <p:cNvPr id="2" name="Заголовок 1"/>
+          <p:cNvSpPr>
+            <a:spLocks noGrp="1"/>
+          </p:cNvSpPr>
+          <p:nvPr>
+            <p:ph type="title"/>
+          </p:nvPr>
+        </p:nvSpPr>
+        <p:spPr/>
+        <p:txBody>
+          <a:bodyPr/>
+          <a:lstStyle/>
+          <a:p>
+            <a:pPr algn="ctr"/>
+            <a:r>
+              <a:rPr lang="en-US" dirty="0" smtClean="0"/>
+              <a:t>Controller</a:t>
+            </a:r>
+            <a:endParaRPr lang="ru-RU" dirty="0"/>
+          </a:p>
+        </p:txBody>
+      </p:sp>
+      <p:pic>
+        <p:nvPicPr>
+          <p:cNvPr id="5" name="Объект 4"/>
+          <p:cNvPicPr>
+            <a:picLocks noGrp="1" noChangeAspect="1"/>
+          </p:cNvPicPr>
+          <p:nvPr>
+            <p:ph idx="1"/>
+          </p:nvPr>
+        </p:nvPicPr>
+        <p:blipFill>
+          <a:blip r:embed="rId2">
+            <a:extLst>
+              <a:ext uri="{28A0092B-C50C-407E-A947-70E740481C1C}">
+                <a14:useLocalDpi xmlns:a14="http://schemas.microsoft.com/office/drawing/2010/main" val="0"/>
+              </a:ext>
+            </a:extLst>
+          </a:blip>
+          <a:stretch>
+            <a:fillRect/>
+          </a:stretch>
+        </p:blipFill>
+        <p:spPr>
+          <a:xfrm>
+            <a:off x="838200" y="1551709"/>
+            <a:ext cx="10515600" cy="4491567"/>
+          </a:xfrm>
+        </p:spPr>
+      </p:pic>
+    </p:spTree>
+    <p:extLst>
+      <p:ext uri="{BB962C8B-B14F-4D97-AF65-F5344CB8AC3E}">
+        <p14:creationId xmlns:p14="http://schemas.microsoft.com/office/powerpoint/2010/main" val="2711699267"/>
+      </p:ext>
+    </p:extLst>
+  </p:cSld>
+  <p:clrMapOvr>
+    <a:masterClrMapping/>
+  </p:clrMapOvr>
+</p:sld>
+</file>
+
+<file path=ppt/slides/slide12.xml><?xml version="1.0" encoding="utf-8"?>
+<p:sld xmlns:a="http://schemas.openxmlformats.org/drawingml/2006/main" xmlns:r="http://schemas.openxmlformats.org/officeDocument/2006/relationships" xmlns:p="http://schemas.openxmlformats.org/presentationml/2006/main">
+  <p:cSld>
+    <p:spTree>
+      <p:nvGrpSpPr>
+        <p:cNvPr id="1" name=""/>
+        <p:cNvGrpSpPr/>
+        <p:nvPr/>
+      </p:nvGrpSpPr>
+      <p:grpSpPr>
+        <a:xfrm>
+          <a:off x="0" y="0"/>
+          <a:ext cx="0" cy="0"/>
+          <a:chOff x="0" y="0"/>
+          <a:chExt cx="0" cy="0"/>
+        </a:xfrm>
+      </p:grpSpPr>
+      <p:sp>
+        <p:nvSpPr>
+          <p:cNvPr id="2" name="Заголовок 1"/>
+          <p:cNvSpPr>
+            <a:spLocks noGrp="1"/>
+          </p:cNvSpPr>
+          <p:nvPr>
+            <p:ph type="title"/>
+          </p:nvPr>
+        </p:nvSpPr>
+        <p:spPr/>
+        <p:txBody>
+          <a:bodyPr/>
+          <a:lstStyle/>
+          <a:p>
+            <a:endParaRPr lang="ru-RU"/>
+          </a:p>
+        </p:txBody>
+      </p:sp>
+      <p:pic>
+        <p:nvPicPr>
+          <p:cNvPr id="4" name="Объект 3"/>
+          <p:cNvPicPr>
+            <a:picLocks noGrp="1" noChangeAspect="1"/>
+          </p:cNvPicPr>
+          <p:nvPr>
+            <p:ph idx="1"/>
+          </p:nvPr>
+        </p:nvPicPr>
+        <p:blipFill>
+          <a:blip r:embed="rId2">
+            <a:extLst>
+              <a:ext uri="{28A0092B-C50C-407E-A947-70E740481C1C}">
+                <a14:useLocalDpi xmlns:a14="http://schemas.microsoft.com/office/drawing/2010/main" val="0"/>
+              </a:ext>
+            </a:extLst>
+          </a:blip>
+          <a:stretch>
+            <a:fillRect/>
+          </a:stretch>
+        </p:blipFill>
+        <p:spPr>
+          <a:xfrm>
+            <a:off x="762001" y="360218"/>
+            <a:ext cx="10751126" cy="5816745"/>
+          </a:xfrm>
+        </p:spPr>
+      </p:pic>
+    </p:spTree>
+    <p:extLst>
+      <p:ext uri="{BB962C8B-B14F-4D97-AF65-F5344CB8AC3E}">
+        <p14:creationId xmlns:p14="http://schemas.microsoft.com/office/powerpoint/2010/main" val="1119259650"/>
+      </p:ext>
+    </p:extLst>
+  </p:cSld>
+  <p:clrMapOvr>
+    <a:masterClrMapping/>
+  </p:clrMapOvr>
+</p:sld>
+</file>
+
+<file path=ppt/slides/slide13.xml><?xml version="1.0" encoding="utf-8"?>
+<p:sld xmlns:a="http://schemas.openxmlformats.org/drawingml/2006/main" xmlns:r="http://schemas.openxmlformats.org/officeDocument/2006/relationships" xmlns:p="http://schemas.openxmlformats.org/presentationml/2006/main">
+  <p:cSld>
+    <p:spTree>
+      <p:nvGrpSpPr>
+        <p:cNvPr id="1" name=""/>
+        <p:cNvGrpSpPr/>
+        <p:nvPr/>
+      </p:nvGrpSpPr>
+      <p:grpSpPr>
+        <a:xfrm>
+          <a:off x="0" y="0"/>
+          <a:ext cx="0" cy="0"/>
+          <a:chOff x="0" y="0"/>
+          <a:chExt cx="0" cy="0"/>
+        </a:xfrm>
+      </p:grpSpPr>
+      <p:sp>
+        <p:nvSpPr>
+          <p:cNvPr id="2" name="Заголовок 1"/>
+          <p:cNvSpPr>
+            <a:spLocks noGrp="1"/>
+          </p:cNvSpPr>
+          <p:nvPr>
+            <p:ph type="title"/>
+          </p:nvPr>
+        </p:nvSpPr>
+        <p:spPr/>
+        <p:txBody>
+          <a:bodyPr/>
+          <a:lstStyle/>
+          <a:p>
+            <a:endParaRPr lang="ru-RU"/>
+          </a:p>
+        </p:txBody>
+      </p:sp>
+      <p:pic>
+        <p:nvPicPr>
+          <p:cNvPr id="6146" name="Picture 2"/>
+          <p:cNvPicPr>
+            <a:picLocks noGrp="1" noChangeAspect="1" noChangeArrowheads="1"/>
+          </p:cNvPicPr>
+          <p:nvPr>
+            <p:ph idx="1"/>
+          </p:nvPr>
+        </p:nvPicPr>
+        <p:blipFill>
+          <a:blip r:embed="rId2">
+            <a:extLst>
+              <a:ext uri="{28A0092B-C50C-407E-A947-70E740481C1C}">
+                <a14:useLocalDpi xmlns:a14="http://schemas.microsoft.com/office/drawing/2010/main" val="0"/>
+              </a:ext>
+            </a:extLst>
+          </a:blip>
+          <a:srcRect/>
+          <a:stretch>
+            <a:fillRect/>
+          </a:stretch>
+        </p:blipFill>
+        <p:spPr bwMode="auto">
+          <a:xfrm>
+            <a:off x="644907" y="259137"/>
+            <a:ext cx="11368076" cy="6058536"/>
+          </a:xfrm>
+          <a:prstGeom prst="rect">
+            <a:avLst/>
+          </a:prstGeom>
+          <a:noFill/>
+          <a:ln>
+            <a:noFill/>
+          </a:ln>
+          <a:extLst>
+            <a:ext uri="{909E8E84-426E-40DD-AFC4-6F175D3DCCD1}">
+              <a14:hiddenFill xmlns:a14="http://schemas.microsoft.com/office/drawing/2010/main">
+                <a:solidFill>
+                  <a:schemeClr val="accent1"/>
+                </a:solidFill>
+              </a14:hiddenFill>
+            </a:ext>
+            <a:ext uri="{91240B29-F687-4F45-9708-019B960494DF}">
+              <a14:hiddenLine xmlns:a14="http://schemas.microsoft.com/office/drawing/2010/main" w="9525">
+                <a:solidFill>
+                  <a:schemeClr val="tx1"/>
+                </a:solidFill>
+                <a:miter lim="800000"/>
+                <a:headEnd/>
+                <a:tailEnd/>
+              </a14:hiddenLine>
+            </a:ext>
+          </a:extLst>
+        </p:spPr>
+      </p:pic>
+    </p:spTree>
+    <p:extLst>
+      <p:ext uri="{BB962C8B-B14F-4D97-AF65-F5344CB8AC3E}">
+        <p14:creationId xmlns:p14="http://schemas.microsoft.com/office/powerpoint/2010/main" val="77280596"/>
+      </p:ext>
+    </p:extLst>
+  </p:cSld>
+  <p:clrMapOvr>
+    <a:masterClrMapping/>
+  </p:clrMapOvr>
+</p:sld>
+</file>
+
+<file path=ppt/slides/slide14.xml><?xml version="1.0" encoding="utf-8"?>
+<p:sld xmlns:a="http://schemas.openxmlformats.org/drawingml/2006/main" xmlns:r="http://schemas.openxmlformats.org/officeDocument/2006/relationships" xmlns:p="http://schemas.openxmlformats.org/presentationml/2006/main">
+  <p:cSld>
+    <p:spTree>
+      <p:nvGrpSpPr>
+        <p:cNvPr id="1" name=""/>
+        <p:cNvGrpSpPr/>
+        <p:nvPr/>
+      </p:nvGrpSpPr>
+      <p:grpSpPr>
+        <a:xfrm>
+          <a:off x="0" y="0"/>
+          <a:ext cx="0" cy="0"/>
+          <a:chOff x="0" y="0"/>
+          <a:chExt cx="0" cy="0"/>
+        </a:xfrm>
+      </p:grpSpPr>
+      <p:sp>
+        <p:nvSpPr>
+          <p:cNvPr id="2" name="Заголовок 1"/>
+          <p:cNvSpPr>
+            <a:spLocks noGrp="1"/>
+          </p:cNvSpPr>
+          <p:nvPr>
+            <p:ph type="title"/>
+          </p:nvPr>
+        </p:nvSpPr>
+        <p:spPr/>
+        <p:txBody>
+          <a:bodyPr/>
+          <a:lstStyle/>
+          <a:p>
+            <a:r>
+              <a:rPr lang="ru-RU" dirty="0" smtClean="0"/>
+              <a:t>Показ проекта</a:t>
+            </a:r>
+            <a:endParaRPr lang="ru-RU" dirty="0"/>
+          </a:p>
+        </p:txBody>
+      </p:sp>
+      <p:sp>
+        <p:nvSpPr>
+          <p:cNvPr id="3" name="Объект 2"/>
+          <p:cNvSpPr>
+            <a:spLocks noGrp="1"/>
+          </p:cNvSpPr>
+          <p:nvPr>
+            <p:ph idx="1"/>
+          </p:nvPr>
+        </p:nvSpPr>
+        <p:spPr/>
+        <p:txBody>
+          <a:bodyPr/>
+          <a:lstStyle/>
+          <a:p>
+            <a:endParaRPr lang="ru-RU" dirty="0"/>
+          </a:p>
+        </p:txBody>
+      </p:sp>
+    </p:spTree>
+    <p:extLst>
+      <p:ext uri="{BB962C8B-B14F-4D97-AF65-F5344CB8AC3E}">
+        <p14:creationId xmlns:p14="http://schemas.microsoft.com/office/powerpoint/2010/main" val="2876753366"/>
       </p:ext>
     </p:extLst>
   </p:cSld>
@@ -3554,6 +4037,38 @@
               <a:rPr lang="en-US" dirty="0" smtClean="0"/>
               <a:t>CSS</a:t>
             </a:r>
+            <a:endParaRPr lang="ru-RU" dirty="0" smtClean="0"/>
+          </a:p>
+          <a:p>
+            <a:pPr marL="514350" indent="-514350">
+              <a:buFont typeface="+mj-lt"/>
+              <a:buAutoNum type="arabicPeriod"/>
+            </a:pPr>
+            <a:r>
+              <a:rPr lang="en-US" dirty="0" smtClean="0"/>
+              <a:t>JS</a:t>
+            </a:r>
+          </a:p>
+          <a:p>
+            <a:pPr marL="514350" indent="-514350">
+              <a:buFont typeface="+mj-lt"/>
+              <a:buAutoNum type="arabicPeriod"/>
+            </a:pPr>
+            <a:r>
+              <a:rPr lang="en-US" dirty="0" smtClean="0"/>
+              <a:t>MySQL</a:t>
+            </a:r>
+          </a:p>
+          <a:p>
+            <a:pPr marL="514350" indent="-514350">
+              <a:buFont typeface="+mj-lt"/>
+              <a:buAutoNum type="arabicPeriod"/>
+            </a:pPr>
+            <a:r>
+              <a:rPr lang="en-US" dirty="0" smtClean="0"/>
+              <a:t>Composer</a:t>
+            </a:r>
+            <a:endParaRPr lang="en-US" dirty="0" smtClean="0"/>
           </a:p>
           <a:p>
             <a:pPr marL="514350" indent="-514350">
@@ -3651,7 +4166,7 @@
           <p:nvPr/>
         </p:nvPicPr>
         <p:blipFill rotWithShape="1">
-          <a:blip r:embed="rId2">
+          <a:blip r:embed="rId2" cstate="print">
             <a:extLst>
               <a:ext uri="{28A0092B-C50C-407E-A947-70E740481C1C}">
                 <a14:useLocalDpi xmlns:a14="http://schemas.microsoft.com/office/drawing/2010/main" val="0"/>
@@ -3663,12 +4178,282 @@
         </p:blipFill>
         <p:spPr>
           <a:xfrm>
-            <a:off x="4156364" y="1936865"/>
-            <a:ext cx="4106487" cy="3397134"/>
+            <a:off x="3726872" y="1593273"/>
+            <a:ext cx="1106075" cy="915012"/>
           </a:xfrm>
           <a:prstGeom prst="rect">
             <a:avLst/>
           </a:prstGeom>
+        </p:spPr>
+      </p:pic>
+      <p:pic>
+        <p:nvPicPr>
+          <p:cNvPr id="1026" name="Picture 2"/>
+          <p:cNvPicPr>
+            <a:picLocks noChangeAspect="1" noChangeArrowheads="1"/>
+          </p:cNvPicPr>
+          <p:nvPr/>
+        </p:nvPicPr>
+        <p:blipFill>
+          <a:blip r:embed="rId3" cstate="print">
+            <a:extLst>
+              <a:ext uri="{28A0092B-C50C-407E-A947-70E740481C1C}">
+                <a14:useLocalDpi xmlns:a14="http://schemas.microsoft.com/office/drawing/2010/main" val="0"/>
+              </a:ext>
+            </a:extLst>
+          </a:blip>
+          <a:srcRect/>
+          <a:stretch>
+            <a:fillRect/>
+          </a:stretch>
+        </p:blipFill>
+        <p:spPr bwMode="auto">
+          <a:xfrm>
+            <a:off x="5434894" y="2139420"/>
+            <a:ext cx="937772" cy="937772"/>
+          </a:xfrm>
+          <a:prstGeom prst="rect">
+            <a:avLst/>
+          </a:prstGeom>
+          <a:noFill/>
+          <a:ln>
+            <a:noFill/>
+          </a:ln>
+          <a:extLst>
+            <a:ext uri="{909E8E84-426E-40DD-AFC4-6F175D3DCCD1}">
+              <a14:hiddenFill xmlns:a14="http://schemas.microsoft.com/office/drawing/2010/main">
+                <a:solidFill>
+                  <a:schemeClr val="accent1"/>
+                </a:solidFill>
+              </a14:hiddenFill>
+            </a:ext>
+            <a:ext uri="{91240B29-F687-4F45-9708-019B960494DF}">
+              <a14:hiddenLine xmlns:a14="http://schemas.microsoft.com/office/drawing/2010/main" w="9525">
+                <a:solidFill>
+                  <a:schemeClr val="tx1"/>
+                </a:solidFill>
+                <a:miter lim="800000"/>
+                <a:headEnd/>
+                <a:tailEnd/>
+              </a14:hiddenLine>
+            </a:ext>
+          </a:extLst>
+        </p:spPr>
+      </p:pic>
+      <p:pic>
+        <p:nvPicPr>
+          <p:cNvPr id="1027" name="Picture 3"/>
+          <p:cNvPicPr>
+            <a:picLocks noChangeAspect="1" noChangeArrowheads="1"/>
+          </p:cNvPicPr>
+          <p:nvPr/>
+        </p:nvPicPr>
+        <p:blipFill>
+          <a:blip r:embed="rId4" cstate="print">
+            <a:extLst>
+              <a:ext uri="{28A0092B-C50C-407E-A947-70E740481C1C}">
+                <a14:useLocalDpi xmlns:a14="http://schemas.microsoft.com/office/drawing/2010/main" val="0"/>
+              </a:ext>
+            </a:extLst>
+          </a:blip>
+          <a:srcRect/>
+          <a:stretch>
+            <a:fillRect/>
+          </a:stretch>
+        </p:blipFill>
+        <p:spPr bwMode="auto">
+          <a:xfrm>
+            <a:off x="6916323" y="3077192"/>
+            <a:ext cx="1305657" cy="870438"/>
+          </a:xfrm>
+          <a:prstGeom prst="rect">
+            <a:avLst/>
+          </a:prstGeom>
+          <a:noFill/>
+          <a:ln>
+            <a:noFill/>
+          </a:ln>
+          <a:extLst>
+            <a:ext uri="{909E8E84-426E-40DD-AFC4-6F175D3DCCD1}">
+              <a14:hiddenFill xmlns:a14="http://schemas.microsoft.com/office/drawing/2010/main">
+                <a:solidFill>
+                  <a:schemeClr val="accent1"/>
+                </a:solidFill>
+              </a14:hiddenFill>
+            </a:ext>
+            <a:ext uri="{91240B29-F687-4F45-9708-019B960494DF}">
+              <a14:hiddenLine xmlns:a14="http://schemas.microsoft.com/office/drawing/2010/main" w="9525">
+                <a:solidFill>
+                  <a:schemeClr val="tx1"/>
+                </a:solidFill>
+                <a:miter lim="800000"/>
+                <a:headEnd/>
+                <a:tailEnd/>
+              </a14:hiddenLine>
+            </a:ext>
+          </a:extLst>
+        </p:spPr>
+      </p:pic>
+      <p:pic>
+        <p:nvPicPr>
+          <p:cNvPr id="1028" name="Picture 4"/>
+          <p:cNvPicPr>
+            <a:picLocks noChangeAspect="1" noChangeArrowheads="1"/>
+          </p:cNvPicPr>
+          <p:nvPr/>
+        </p:nvPicPr>
+        <p:blipFill>
+          <a:blip r:embed="rId5" cstate="print">
+            <a:extLst>
+              <a:ext uri="{28A0092B-C50C-407E-A947-70E740481C1C}">
+                <a14:useLocalDpi xmlns:a14="http://schemas.microsoft.com/office/drawing/2010/main" val="0"/>
+              </a:ext>
+            </a:extLst>
+          </a:blip>
+          <a:srcRect/>
+          <a:stretch>
+            <a:fillRect/>
+          </a:stretch>
+        </p:blipFill>
+        <p:spPr bwMode="auto">
+          <a:xfrm>
+            <a:off x="9892918" y="1593272"/>
+            <a:ext cx="1106076" cy="899815"/>
+          </a:xfrm>
+          <a:prstGeom prst="rect">
+            <a:avLst/>
+          </a:prstGeom>
+          <a:noFill/>
+          <a:ln>
+            <a:noFill/>
+          </a:ln>
+          <a:extLst>
+            <a:ext uri="{909E8E84-426E-40DD-AFC4-6F175D3DCCD1}">
+              <a14:hiddenFill xmlns:a14="http://schemas.microsoft.com/office/drawing/2010/main">
+                <a:solidFill>
+                  <a:schemeClr val="accent1"/>
+                </a:solidFill>
+              </a14:hiddenFill>
+            </a:ext>
+            <a:ext uri="{91240B29-F687-4F45-9708-019B960494DF}">
+              <a14:hiddenLine xmlns:a14="http://schemas.microsoft.com/office/drawing/2010/main" w="9525">
+                <a:solidFill>
+                  <a:schemeClr val="tx1"/>
+                </a:solidFill>
+                <a:miter lim="800000"/>
+                <a:headEnd/>
+                <a:tailEnd/>
+              </a14:hiddenLine>
+            </a:ext>
+          </a:extLst>
+        </p:spPr>
+      </p:pic>
+      <p:pic>
+        <p:nvPicPr>
+          <p:cNvPr id="1029" name="Picture 5"/>
+          <p:cNvPicPr>
+            <a:picLocks noChangeAspect="1" noChangeArrowheads="1"/>
+          </p:cNvPicPr>
+          <p:nvPr/>
+        </p:nvPicPr>
+        <p:blipFill>
+          <a:blip r:embed="rId6" cstate="print">
+            <a:extLst>
+              <a:ext uri="{28A0092B-C50C-407E-A947-70E740481C1C}">
+                <a14:useLocalDpi xmlns:a14="http://schemas.microsoft.com/office/drawing/2010/main" val="0"/>
+              </a:ext>
+            </a:extLst>
+          </a:blip>
+          <a:srcRect/>
+          <a:stretch>
+            <a:fillRect/>
+          </a:stretch>
+        </p:blipFill>
+        <p:spPr bwMode="auto">
+          <a:xfrm>
+            <a:off x="8523756" y="2206123"/>
+            <a:ext cx="1118646" cy="904105"/>
+          </a:xfrm>
+          <a:prstGeom prst="rect">
+            <a:avLst/>
+          </a:prstGeom>
+          <a:noFill/>
+          <a:ln>
+            <a:noFill/>
+          </a:ln>
+          <a:extLst>
+            <a:ext uri="{909E8E84-426E-40DD-AFC4-6F175D3DCCD1}">
+              <a14:hiddenFill xmlns:a14="http://schemas.microsoft.com/office/drawing/2010/main">
+                <a:solidFill>
+                  <a:schemeClr val="accent1"/>
+                </a:solidFill>
+              </a14:hiddenFill>
+            </a:ext>
+            <a:ext uri="{91240B29-F687-4F45-9708-019B960494DF}">
+              <a14:hiddenLine xmlns:a14="http://schemas.microsoft.com/office/drawing/2010/main" w="9525">
+                <a:solidFill>
+                  <a:schemeClr val="tx1"/>
+                </a:solidFill>
+                <a:miter lim="800000"/>
+                <a:headEnd/>
+                <a:tailEnd/>
+              </a14:hiddenLine>
+            </a:ext>
+          </a:extLst>
+        </p:spPr>
+      </p:pic>
+      <p:pic>
+        <p:nvPicPr>
+          <p:cNvPr id="1030" name="Picture 6"/>
+          <p:cNvPicPr>
+            <a:picLocks noChangeAspect="1" noChangeArrowheads="1"/>
+          </p:cNvPicPr>
+          <p:nvPr/>
+        </p:nvPicPr>
+        <p:blipFill>
+          <a:blip r:embed="rId7" cstate="print">
+            <a:extLst>
+              <a:ext uri="{28A0092B-C50C-407E-A947-70E740481C1C}">
+                <a14:useLocalDpi xmlns:a14="http://schemas.microsoft.com/office/drawing/2010/main" val="0"/>
+              </a:ext>
+            </a:extLst>
+          </a:blip>
+          <a:srcRect/>
+          <a:stretch>
+            <a:fillRect/>
+          </a:stretch>
+        </p:blipFill>
+        <p:spPr bwMode="auto">
+          <a:xfrm>
+            <a:off x="5069093" y="4325257"/>
+            <a:ext cx="1578366" cy="905781"/>
+          </a:xfrm>
+          <a:prstGeom prst="rect">
+            <a:avLst/>
+          </a:prstGeom>
+          <a:noFill/>
+          <a:ln>
+            <a:noFill/>
+          </a:ln>
+          <a:extLst>
+            <a:ext uri="{909E8E84-426E-40DD-AFC4-6F175D3DCCD1}">
+              <a14:hiddenFill xmlns:a14="http://schemas.microsoft.com/office/drawing/2010/main">
+                <a:solidFill>
+                  <a:schemeClr val="accent1"/>
+                </a:solidFill>
+              </a14:hiddenFill>
+            </a:ext>
+            <a:ext uri="{91240B29-F687-4F45-9708-019B960494DF}">
+              <a14:hiddenLine xmlns:a14="http://schemas.microsoft.com/office/drawing/2010/main" w="9525">
+                <a:solidFill>
+                  <a:schemeClr val="tx1"/>
+                </a:solidFill>
+                <a:miter lim="800000"/>
+                <a:headEnd/>
+                <a:tailEnd/>
+              </a14:hiddenLine>
+            </a:ext>
+          </a:extLst>
         </p:spPr>
       </p:pic>
     </p:spTree>
@@ -3726,7 +4511,7 @@
       </p:sp>
       <p:pic>
         <p:nvPicPr>
-          <p:cNvPr id="4" name="Объект 3"/>
+          <p:cNvPr id="6" name="Объект 5"/>
           <p:cNvPicPr>
             <a:picLocks noGrp="1" noChangeAspect="1"/>
           </p:cNvPicPr>
@@ -3748,8 +4533,8 @@
         </p:blipFill>
         <p:spPr>
           <a:xfrm>
-            <a:off x="3920331" y="1825625"/>
-            <a:ext cx="4351338" cy="4351338"/>
+            <a:off x="828371" y="1871003"/>
+            <a:ext cx="10525429" cy="4256607"/>
           </a:xfrm>
         </p:spPr>
       </p:pic>
@@ -3798,13 +4583,14 @@
           <a:bodyPr/>
           <a:lstStyle/>
           <a:p>
+            <a:pPr algn="ctr"/>
             <a:r>
               <a:rPr lang="en-US" dirty="0" smtClean="0"/>
               <a:t>ER </a:t>
             </a:r>
             <a:r>
-              <a:rPr lang="en-US" dirty="0" err="1" smtClean="0"/>
-              <a:t>Diagrama</a:t>
+              <a:rPr lang="en-US" dirty="0" smtClean="0"/>
+              <a:t>Diagram</a:t>
             </a:r>
             <a:endParaRPr lang="ru-RU" dirty="0"/>
           </a:p>
@@ -3825,20 +4611,16 @@
           <a:bodyPr/>
           <a:lstStyle/>
           <a:p>
+            <a:endParaRPr lang="en-US" dirty="0" smtClean="0"/>
+          </a:p>
+          <a:p>
             <a:r>
               <a:rPr lang="ru-RU" dirty="0" smtClean="0"/>
-              <a:t>Из </a:t>
-            </a:r>
-            <a:r>
-              <a:rPr lang="ru-RU" dirty="0" err="1" smtClean="0"/>
-              <a:t>воркбенч</a:t>
-            </a:r>
-            <a:endParaRPr lang="ru-RU" dirty="0" smtClean="0"/>
-          </a:p>
-          <a:p>
+              <a:t>Вставить </a:t>
+            </a:r>
             <a:r>
               <a:rPr lang="ru-RU" dirty="0" smtClean="0"/>
-              <a:t>Вставить кусочки </a:t>
+              <a:t>кусочки </a:t>
             </a:r>
             <a:r>
               <a:rPr lang="en-US" dirty="0" smtClean="0"/>
@@ -3848,6 +4630,36 @@
           </a:p>
         </p:txBody>
       </p:sp>
+      <p:pic>
+        <p:nvPicPr>
+          <p:cNvPr id="5" name="Рисунок 4"/>
+          <p:cNvPicPr>
+            <a:picLocks noChangeAspect="1"/>
+          </p:cNvPicPr>
+          <p:nvPr/>
+        </p:nvPicPr>
+        <p:blipFill>
+          <a:blip r:embed="rId2">
+            <a:extLst>
+              <a:ext uri="{28A0092B-C50C-407E-A947-70E740481C1C}">
+                <a14:useLocalDpi xmlns:a14="http://schemas.microsoft.com/office/drawing/2010/main" val="0"/>
+              </a:ext>
+            </a:extLst>
+          </a:blip>
+          <a:stretch>
+            <a:fillRect/>
+          </a:stretch>
+        </p:blipFill>
+        <p:spPr>
+          <a:xfrm>
+            <a:off x="851862" y="1440871"/>
+            <a:ext cx="8964276" cy="4224725"/>
+          </a:xfrm>
+          <a:prstGeom prst="rect">
+            <a:avLst/>
+          </a:prstGeom>
+        </p:spPr>
+      </p:pic>
     </p:spTree>
     <p:extLst>
       <p:ext uri="{BB962C8B-B14F-4D97-AF65-F5344CB8AC3E}">
@@ -3893,10 +4705,6 @@
           <a:bodyPr/>
           <a:lstStyle/>
           <a:p>
-            <a:r>
-              <a:rPr lang="en-US" dirty="0" smtClean="0"/>
-              <a:t>MVC</a:t>
-            </a:r>
             <a:endParaRPr lang="ru-RU" dirty="0"/>
           </a:p>
         </p:txBody>
@@ -3916,39 +4724,64 @@
           <a:bodyPr/>
           <a:lstStyle/>
           <a:p>
-            <a:pPr marL="0" indent="0">
-              <a:buNone/>
-            </a:pPr>
-            <a:r>
-              <a:rPr lang="ru-RU" dirty="0" smtClean="0"/>
-              <a:t>Диаграмма классов</a:t>
-            </a:r>
-            <a:endParaRPr lang="en-US" dirty="0" smtClean="0"/>
-          </a:p>
-          <a:p>
-            <a:pPr marL="0" indent="0">
-              <a:buNone/>
-            </a:pPr>
-            <a:r>
-              <a:rPr lang="ru-RU" dirty="0" smtClean="0"/>
-              <a:t>Вставить </a:t>
-            </a:r>
-            <a:r>
-              <a:rPr lang="ru-RU" dirty="0" err="1" smtClean="0"/>
-              <a:t>скрин</a:t>
-            </a:r>
-            <a:r>
-              <a:rPr lang="ru-RU" dirty="0" smtClean="0"/>
-              <a:t> куска кода</a:t>
-            </a:r>
-            <a:endParaRPr lang="en-US" dirty="0" smtClean="0"/>
+            <a:r>
+              <a:rPr lang="en-US" dirty="0"/>
+              <a:t>CREATE </a:t>
+            </a:r>
+            <a:r>
+              <a:rPr lang="en-US" dirty="0"/>
+              <a:t>DATABASE IF </a:t>
+            </a:r>
+            <a:r>
+              <a:rPr lang="en-US" dirty="0"/>
+              <a:t>NOT EXISTS </a:t>
+            </a:r>
+            <a:r>
+              <a:rPr lang="en-US" dirty="0"/>
+              <a:t>`project2` </a:t>
+            </a:r>
+            <a:r>
+              <a:rPr lang="en-US" dirty="0"/>
+              <a:t>DEFAULT CHARACTER SET </a:t>
+            </a:r>
+            <a:r>
+              <a:rPr lang="en-US" dirty="0"/>
+              <a:t>utf8mb4 </a:t>
+            </a:r>
+            <a:r>
+              <a:rPr lang="en-US" dirty="0"/>
+              <a:t>COLLATE </a:t>
+            </a:r>
+            <a:r>
+              <a:rPr lang="en-US" dirty="0"/>
+              <a:t>utf8mb4_unicode_ci</a:t>
+            </a:r>
+            <a:r>
+              <a:rPr lang="en-US" dirty="0"/>
+              <a:t>;</a:t>
+            </a:r>
+            <a:br>
+              <a:rPr lang="en-US" dirty="0"/>
+            </a:br>
+            <a:r>
+              <a:rPr lang="en-US" dirty="0"/>
+              <a:t>USE `project2`</a:t>
+            </a:r>
+            <a:r>
+              <a:rPr lang="en-US" dirty="0"/>
+              <a:t>;</a:t>
+            </a:r>
+            <a:br>
+              <a:rPr lang="en-US" dirty="0"/>
+            </a:br>
+            <a:endParaRPr lang="ru-RU" dirty="0"/>
           </a:p>
         </p:txBody>
       </p:sp>
     </p:spTree>
     <p:extLst>
       <p:ext uri="{BB962C8B-B14F-4D97-AF65-F5344CB8AC3E}">
-        <p14:creationId xmlns:p14="http://schemas.microsoft.com/office/powerpoint/2010/main" val="903207290"/>
+        <p14:creationId xmlns:p14="http://schemas.microsoft.com/office/powerpoint/2010/main" val="4107797229"/>
       </p:ext>
     </p:extLst>
   </p:cSld>
@@ -3991,44 +4824,91 @@
           <a:lstStyle/>
           <a:p>
             <a:r>
+              <a:rPr lang="en-US" dirty="0" smtClean="0"/>
+              <a:t>MVC</a:t>
+            </a:r>
+            <a:endParaRPr lang="ru-RU" dirty="0"/>
+          </a:p>
+        </p:txBody>
+      </p:sp>
+      <p:sp>
+        <p:nvSpPr>
+          <p:cNvPr id="3" name="Объект 2"/>
+          <p:cNvSpPr>
+            <a:spLocks noGrp="1"/>
+          </p:cNvSpPr>
+          <p:nvPr>
+            <p:ph idx="1"/>
+          </p:nvPr>
+        </p:nvSpPr>
+        <p:spPr/>
+        <p:txBody>
+          <a:bodyPr/>
+          <a:lstStyle/>
+          <a:p>
+            <a:pPr marL="0" indent="0" algn="ctr">
+              <a:buNone/>
+            </a:pPr>
+            <a:r>
+              <a:rPr lang="en-US" dirty="0" smtClean="0"/>
+              <a:t>Model</a:t>
+            </a:r>
+            <a:endParaRPr lang="en-US" dirty="0" smtClean="0"/>
+          </a:p>
+          <a:p>
+            <a:pPr marL="0" indent="0">
+              <a:buNone/>
+            </a:pPr>
+            <a:r>
               <a:rPr lang="ru-RU" dirty="0" smtClean="0"/>
-              <a:t>Можно добавить пару </a:t>
+              <a:t>Вставить </a:t>
             </a:r>
             <a:r>
               <a:rPr lang="ru-RU" dirty="0" err="1" smtClean="0"/>
-              <a:t>скринов</a:t>
+              <a:t>скрин</a:t>
             </a:r>
             <a:r>
               <a:rPr lang="ru-RU" dirty="0" smtClean="0"/>
-              <a:t> своего сайта</a:t>
-            </a:r>
-            <a:endParaRPr lang="ru-RU" dirty="0"/>
-          </a:p>
-        </p:txBody>
-      </p:sp>
-      <p:sp>
-        <p:nvSpPr>
-          <p:cNvPr id="3" name="Объект 2"/>
-          <p:cNvSpPr>
-            <a:spLocks noGrp="1"/>
-          </p:cNvSpPr>
-          <p:nvPr>
-            <p:ph idx="1"/>
-          </p:nvPr>
-        </p:nvSpPr>
-        <p:spPr/>
-        <p:txBody>
-          <a:bodyPr/>
-          <a:lstStyle/>
-          <a:p>
-            <a:endParaRPr lang="ru-RU"/>
-          </a:p>
-        </p:txBody>
-      </p:sp>
+              <a:t> куска кода</a:t>
+            </a:r>
+            <a:endParaRPr lang="en-US" dirty="0" smtClean="0"/>
+          </a:p>
+        </p:txBody>
+      </p:sp>
+      <p:pic>
+        <p:nvPicPr>
+          <p:cNvPr id="4" name="Рисунок 3"/>
+          <p:cNvPicPr>
+            <a:picLocks noChangeAspect="1"/>
+          </p:cNvPicPr>
+          <p:nvPr/>
+        </p:nvPicPr>
+        <p:blipFill>
+          <a:blip r:embed="rId2">
+            <a:extLst>
+              <a:ext uri="{28A0092B-C50C-407E-A947-70E740481C1C}">
+                <a14:useLocalDpi xmlns:a14="http://schemas.microsoft.com/office/drawing/2010/main" val="0"/>
+              </a:ext>
+            </a:extLst>
+          </a:blip>
+          <a:stretch>
+            <a:fillRect/>
+          </a:stretch>
+        </p:blipFill>
+        <p:spPr>
+          <a:xfrm>
+            <a:off x="748146" y="2254508"/>
+            <a:ext cx="10058400" cy="3972450"/>
+          </a:xfrm>
+          <a:prstGeom prst="rect">
+            <a:avLst/>
+          </a:prstGeom>
+        </p:spPr>
+      </p:pic>
     </p:spTree>
     <p:extLst>
       <p:ext uri="{BB962C8B-B14F-4D97-AF65-F5344CB8AC3E}">
-        <p14:creationId xmlns:p14="http://schemas.microsoft.com/office/powerpoint/2010/main" val="1198536849"/>
+        <p14:creationId xmlns:p14="http://schemas.microsoft.com/office/powerpoint/2010/main" val="903207290"/>
       </p:ext>
     </p:extLst>
   </p:cSld>
@@ -4070,37 +4950,288 @@
           <a:bodyPr/>
           <a:lstStyle/>
           <a:p>
-            <a:r>
-              <a:rPr lang="ru-RU" dirty="0" smtClean="0"/>
-              <a:t>Показ проекта</a:t>
-            </a:r>
-            <a:endParaRPr lang="ru-RU" dirty="0"/>
-          </a:p>
-        </p:txBody>
-      </p:sp>
-      <p:sp>
-        <p:nvSpPr>
-          <p:cNvPr id="3" name="Объект 2"/>
-          <p:cNvSpPr>
-            <a:spLocks noGrp="1"/>
-          </p:cNvSpPr>
+            <a:endParaRPr lang="ru-RU"/>
+          </a:p>
+        </p:txBody>
+      </p:sp>
+      <p:pic>
+        <p:nvPicPr>
+          <p:cNvPr id="4" name="Объект 3"/>
+          <p:cNvPicPr>
+            <a:picLocks noGrp="1" noChangeAspect="1"/>
+          </p:cNvPicPr>
           <p:nvPr>
             <p:ph idx="1"/>
           </p:nvPr>
-        </p:nvSpPr>
-        <p:spPr/>
-        <p:txBody>
-          <a:bodyPr/>
-          <a:lstStyle/>
-          <a:p>
-            <a:endParaRPr lang="ru-RU" dirty="0"/>
-          </a:p>
-        </p:txBody>
-      </p:sp>
+        </p:nvPicPr>
+        <p:blipFill>
+          <a:blip r:embed="rId2">
+            <a:extLst>
+              <a:ext uri="{28A0092B-C50C-407E-A947-70E740481C1C}">
+                <a14:useLocalDpi xmlns:a14="http://schemas.microsoft.com/office/drawing/2010/main" val="0"/>
+              </a:ext>
+            </a:extLst>
+          </a:blip>
+          <a:stretch>
+            <a:fillRect/>
+          </a:stretch>
+        </p:blipFill>
+        <p:spPr>
+          <a:xfrm>
+            <a:off x="796636" y="687338"/>
+            <a:ext cx="10515600" cy="3302820"/>
+          </a:xfrm>
+        </p:spPr>
+      </p:pic>
+      <p:pic>
+        <p:nvPicPr>
+          <p:cNvPr id="5" name="Рисунок 4"/>
+          <p:cNvPicPr>
+            <a:picLocks noChangeAspect="1"/>
+          </p:cNvPicPr>
+          <p:nvPr/>
+        </p:nvPicPr>
+        <p:blipFill>
+          <a:blip r:embed="rId3">
+            <a:extLst>
+              <a:ext uri="{28A0092B-C50C-407E-A947-70E740481C1C}">
+                <a14:useLocalDpi xmlns:a14="http://schemas.microsoft.com/office/drawing/2010/main" val="0"/>
+              </a:ext>
+            </a:extLst>
+          </a:blip>
+          <a:stretch>
+            <a:fillRect/>
+          </a:stretch>
+        </p:blipFill>
+        <p:spPr>
+          <a:xfrm>
+            <a:off x="775855" y="3984289"/>
+            <a:ext cx="10515600" cy="2042629"/>
+          </a:xfrm>
+          <a:prstGeom prst="rect">
+            <a:avLst/>
+          </a:prstGeom>
+        </p:spPr>
+      </p:pic>
     </p:spTree>
     <p:extLst>
       <p:ext uri="{BB962C8B-B14F-4D97-AF65-F5344CB8AC3E}">
-        <p14:creationId xmlns:p14="http://schemas.microsoft.com/office/powerpoint/2010/main" val="2876753366"/>
+        <p14:creationId xmlns:p14="http://schemas.microsoft.com/office/powerpoint/2010/main" val="1147239489"/>
+      </p:ext>
+    </p:extLst>
+  </p:cSld>
+  <p:clrMapOvr>
+    <a:masterClrMapping/>
+  </p:clrMapOvr>
+</p:sld>
+</file>
+
+<file path=ppt/slides/slide8.xml><?xml version="1.0" encoding="utf-8"?>
+<p:sld xmlns:a="http://schemas.openxmlformats.org/drawingml/2006/main" xmlns:r="http://schemas.openxmlformats.org/officeDocument/2006/relationships" xmlns:p="http://schemas.openxmlformats.org/presentationml/2006/main">
+  <p:cSld>
+    <p:spTree>
+      <p:nvGrpSpPr>
+        <p:cNvPr id="1" name=""/>
+        <p:cNvGrpSpPr/>
+        <p:nvPr/>
+      </p:nvGrpSpPr>
+      <p:grpSpPr>
+        <a:xfrm>
+          <a:off x="0" y="0"/>
+          <a:ext cx="0" cy="0"/>
+          <a:chOff x="0" y="0"/>
+          <a:chExt cx="0" cy="0"/>
+        </a:xfrm>
+      </p:grpSpPr>
+      <p:sp>
+        <p:nvSpPr>
+          <p:cNvPr id="2" name="Заголовок 1"/>
+          <p:cNvSpPr>
+            <a:spLocks noGrp="1"/>
+          </p:cNvSpPr>
+          <p:nvPr>
+            <p:ph type="title"/>
+          </p:nvPr>
+        </p:nvSpPr>
+        <p:spPr/>
+        <p:txBody>
+          <a:bodyPr/>
+          <a:lstStyle/>
+          <a:p>
+            <a:endParaRPr lang="ru-RU"/>
+          </a:p>
+        </p:txBody>
+      </p:sp>
+      <p:pic>
+        <p:nvPicPr>
+          <p:cNvPr id="5122" name="Picture 2"/>
+          <p:cNvPicPr>
+            <a:picLocks noGrp="1" noChangeAspect="1" noChangeArrowheads="1"/>
+          </p:cNvPicPr>
+          <p:nvPr>
+            <p:ph idx="1"/>
+          </p:nvPr>
+        </p:nvPicPr>
+        <p:blipFill>
+          <a:blip r:embed="rId2">
+            <a:extLst>
+              <a:ext uri="{28A0092B-C50C-407E-A947-70E740481C1C}">
+                <a14:useLocalDpi xmlns:a14="http://schemas.microsoft.com/office/drawing/2010/main" val="0"/>
+              </a:ext>
+            </a:extLst>
+          </a:blip>
+          <a:srcRect/>
+          <a:stretch>
+            <a:fillRect/>
+          </a:stretch>
+        </p:blipFill>
+        <p:spPr bwMode="auto">
+          <a:xfrm>
+            <a:off x="625609" y="318654"/>
+            <a:ext cx="10859809" cy="6137564"/>
+          </a:xfrm>
+          <a:prstGeom prst="rect">
+            <a:avLst/>
+          </a:prstGeom>
+          <a:noFill/>
+          <a:ln>
+            <a:noFill/>
+          </a:ln>
+          <a:extLst>
+            <a:ext uri="{909E8E84-426E-40DD-AFC4-6F175D3DCCD1}">
+              <a14:hiddenFill xmlns:a14="http://schemas.microsoft.com/office/drawing/2010/main">
+                <a:solidFill>
+                  <a:schemeClr val="accent1"/>
+                </a:solidFill>
+              </a14:hiddenFill>
+            </a:ext>
+            <a:ext uri="{91240B29-F687-4F45-9708-019B960494DF}">
+              <a14:hiddenLine xmlns:a14="http://schemas.microsoft.com/office/drawing/2010/main" w="9525">
+                <a:solidFill>
+                  <a:schemeClr val="tx1"/>
+                </a:solidFill>
+                <a:miter lim="800000"/>
+                <a:headEnd/>
+                <a:tailEnd/>
+              </a14:hiddenLine>
+            </a:ext>
+          </a:extLst>
+        </p:spPr>
+      </p:pic>
+    </p:spTree>
+    <p:extLst>
+      <p:ext uri="{BB962C8B-B14F-4D97-AF65-F5344CB8AC3E}">
+        <p14:creationId xmlns:p14="http://schemas.microsoft.com/office/powerpoint/2010/main" val="4279500732"/>
+      </p:ext>
+    </p:extLst>
+  </p:cSld>
+  <p:clrMapOvr>
+    <a:masterClrMapping/>
+  </p:clrMapOvr>
+</p:sld>
+</file>
+
+<file path=ppt/slides/slide9.xml><?xml version="1.0" encoding="utf-8"?>
+<p:sld xmlns:a="http://schemas.openxmlformats.org/drawingml/2006/main" xmlns:r="http://schemas.openxmlformats.org/officeDocument/2006/relationships" xmlns:p="http://schemas.openxmlformats.org/presentationml/2006/main">
+  <p:cSld>
+    <p:spTree>
+      <p:nvGrpSpPr>
+        <p:cNvPr id="1" name=""/>
+        <p:cNvGrpSpPr/>
+        <p:nvPr/>
+      </p:nvGrpSpPr>
+      <p:grpSpPr>
+        <a:xfrm>
+          <a:off x="0" y="0"/>
+          <a:ext cx="0" cy="0"/>
+          <a:chOff x="0" y="0"/>
+          <a:chExt cx="0" cy="0"/>
+        </a:xfrm>
+      </p:grpSpPr>
+      <p:sp>
+        <p:nvSpPr>
+          <p:cNvPr id="2" name="Заголовок 1"/>
+          <p:cNvSpPr>
+            <a:spLocks noGrp="1"/>
+          </p:cNvSpPr>
+          <p:nvPr>
+            <p:ph type="title"/>
+          </p:nvPr>
+        </p:nvSpPr>
+        <p:spPr/>
+        <p:txBody>
+          <a:bodyPr/>
+          <a:lstStyle/>
+          <a:p>
+            <a:pPr algn="ctr"/>
+            <a:r>
+              <a:rPr lang="en-US" dirty="0" smtClean="0"/>
+              <a:t>View</a:t>
+            </a:r>
+            <a:endParaRPr lang="ru-RU" dirty="0"/>
+          </a:p>
+        </p:txBody>
+      </p:sp>
+      <p:pic>
+        <p:nvPicPr>
+          <p:cNvPr id="3074" name="Picture 2"/>
+          <p:cNvPicPr>
+            <a:picLocks noGrp="1" noChangeAspect="1" noChangeArrowheads="1"/>
+          </p:cNvPicPr>
+          <p:nvPr>
+            <p:ph idx="1"/>
+          </p:nvPr>
+        </p:nvPicPr>
+        <p:blipFill>
+          <a:blip r:embed="rId2">
+            <a:extLst>
+              <a:ext uri="{28A0092B-C50C-407E-A947-70E740481C1C}">
+                <a14:useLocalDpi xmlns:a14="http://schemas.microsoft.com/office/drawing/2010/main" val="0"/>
+              </a:ext>
+            </a:extLst>
+          </a:blip>
+          <a:srcRect/>
+          <a:stretch>
+            <a:fillRect/>
+          </a:stretch>
+        </p:blipFill>
+        <p:spPr bwMode="auto">
+          <a:xfrm>
+            <a:off x="988395" y="1576038"/>
+            <a:ext cx="9360950" cy="4988852"/>
+          </a:xfrm>
+          <a:prstGeom prst="rect">
+            <a:avLst/>
+          </a:prstGeom>
+          <a:noFill/>
+          <a:ln>
+            <a:noFill/>
+          </a:ln>
+          <a:extLst>
+            <a:ext uri="{909E8E84-426E-40DD-AFC4-6F175D3DCCD1}">
+              <a14:hiddenFill xmlns:a14="http://schemas.microsoft.com/office/drawing/2010/main">
+                <a:solidFill>
+                  <a:schemeClr val="accent1"/>
+                </a:solidFill>
+              </a14:hiddenFill>
+            </a:ext>
+            <a:ext uri="{91240B29-F687-4F45-9708-019B960494DF}">
+              <a14:hiddenLine xmlns:a14="http://schemas.microsoft.com/office/drawing/2010/main" w="9525">
+                <a:solidFill>
+                  <a:schemeClr val="tx1"/>
+                </a:solidFill>
+                <a:miter lim="800000"/>
+                <a:headEnd/>
+                <a:tailEnd/>
+              </a14:hiddenLine>
+            </a:ext>
+          </a:extLst>
+        </p:spPr>
+      </p:pic>
+    </p:spTree>
+    <p:extLst>
+      <p:ext uri="{BB962C8B-B14F-4D97-AF65-F5344CB8AC3E}">
+        <p14:creationId xmlns:p14="http://schemas.microsoft.com/office/powerpoint/2010/main" val="1198536849"/>
       </p:ext>
     </p:extLst>
   </p:cSld>
@@ -4365,7 +5496,7 @@
   <a:extraClrSchemeLst/>
   <a:extLst>
     <a:ext uri="{05A4C25C-085E-4340-85A3-A5531E510DB2}">
-      <thm15:themeFamily xmlns:thm15="http://schemas.microsoft.com/office/thememl/2012/main" name="Office Theme" id="{62F939B6-93AF-4DB8-9C6B-D6C7DFDC589F}" vid="{4A3C46E8-61CC-4603-A589-7422A47A8E4A}"/>
+      <thm15:themeFamily xmlns:thm15="http://schemas.microsoft.com/office/thememl/2012/main" xmlns="" name="Office Theme" id="{62F939B6-93AF-4DB8-9C6B-D6C7DFDC589F}" vid="{4A3C46E8-61CC-4603-A589-7422A47A8E4A}"/>
     </a:ext>
   </a:extLst>
 </a:theme>
@@ -4626,7 +5757,7 @@
   <a:extraClrSchemeLst/>
   <a:extLst>
     <a:ext uri="{05A4C25C-085E-4340-85A3-A5531E510DB2}">
-      <thm15:themeFamily xmlns:thm15="http://schemas.microsoft.com/office/thememl/2012/main" name="Office Theme" id="{62F939B6-93AF-4DB8-9C6B-D6C7DFDC589F}" vid="{4A3C46E8-61CC-4603-A589-7422A47A8E4A}"/>
+      <thm15:themeFamily xmlns:thm15="http://schemas.microsoft.com/office/thememl/2012/main" xmlns="" name="Office Theme" id="{62F939B6-93AF-4DB8-9C6B-D6C7DFDC589F}" vid="{4A3C46E8-61CC-4603-A589-7422A47A8E4A}"/>
     </a:ext>
   </a:extLst>
 </a:theme>

--- a/FitHome.pptx
+++ b/FitHome.pptx
@@ -10,18 +10,18 @@
   <p:sldIdLst>
     <p:sldId id="256" r:id="rId2"/>
     <p:sldId id="257" r:id="rId3"/>
-    <p:sldId id="260" r:id="rId4"/>
-    <p:sldId id="258" r:id="rId5"/>
-    <p:sldId id="263" r:id="rId6"/>
-    <p:sldId id="259" r:id="rId7"/>
-    <p:sldId id="264" r:id="rId8"/>
-    <p:sldId id="268" r:id="rId9"/>
-    <p:sldId id="261" r:id="rId10"/>
-    <p:sldId id="267" r:id="rId11"/>
-    <p:sldId id="265" r:id="rId12"/>
-    <p:sldId id="266" r:id="rId13"/>
-    <p:sldId id="269" r:id="rId14"/>
-    <p:sldId id="262" r:id="rId15"/>
+    <p:sldId id="270" r:id="rId4"/>
+    <p:sldId id="260" r:id="rId5"/>
+    <p:sldId id="258" r:id="rId6"/>
+    <p:sldId id="263" r:id="rId7"/>
+    <p:sldId id="259" r:id="rId8"/>
+    <p:sldId id="264" r:id="rId9"/>
+    <p:sldId id="268" r:id="rId10"/>
+    <p:sldId id="261" r:id="rId11"/>
+    <p:sldId id="267" r:id="rId12"/>
+    <p:sldId id="265" r:id="rId13"/>
+    <p:sldId id="266" r:id="rId14"/>
+    <p:sldId id="269" r:id="rId15"/>
   </p:sldIdLst>
   <p:sldSz cx="12192000" cy="6858000"/>
   <p:notesSz cx="6858000" cy="9144000"/>
@@ -122,7 +122,18 @@
   </p:defaultTextStyle>
   <p:extLst>
     <p:ext uri="{EFAFB233-063F-42B5-8137-9DF3F51BA10A}">
-      <p15:sldGuideLst xmlns:p15="http://schemas.microsoft.com/office/powerpoint/2012/main" xmlns=""/>
+      <p15:sldGuideLst xmlns:p15="http://schemas.microsoft.com/office/powerpoint/2012/main">
+        <p15:guide id="1" orient="horz" pos="2160">
+          <p15:clr>
+            <a:srgbClr val="A4A3A4"/>
+          </p15:clr>
+        </p15:guide>
+        <p15:guide id="2" pos="3840">
+          <p15:clr>
+            <a:srgbClr val="A4A3A4"/>
+          </p15:clr>
+        </p15:guide>
+      </p15:sldGuideLst>
     </p:ext>
   </p:extLst>
 </p:presentation>
@@ -210,7 +221,7 @@
           <a:p>
             <a:fld id="{930EC38D-837C-4BFC-A461-DBB4D84BAEAC}" type="datetimeFigureOut">
               <a:rPr lang="ru-RU" smtClean="0"/>
-              <a:t>29.09.2020</a:t>
+              <a:t>02.10.2020</a:t>
             </a:fld>
             <a:endParaRPr lang="ru-RU"/>
           </a:p>
@@ -478,90 +489,6 @@
 </p:notesMaster>
 </file>
 
-<file path=ppt/notesSlides/notesSlide1.xml><?xml version="1.0" encoding="utf-8"?>
-<p:notes xmlns:a="http://schemas.openxmlformats.org/drawingml/2006/main" xmlns:r="http://schemas.openxmlformats.org/officeDocument/2006/relationships" xmlns:p="http://schemas.openxmlformats.org/presentationml/2006/main">
-  <p:cSld>
-    <p:spTree>
-      <p:nvGrpSpPr>
-        <p:cNvPr id="1" name=""/>
-        <p:cNvGrpSpPr/>
-        <p:nvPr/>
-      </p:nvGrpSpPr>
-      <p:grpSpPr>
-        <a:xfrm>
-          <a:off x="0" y="0"/>
-          <a:ext cx="0" cy="0"/>
-          <a:chOff x="0" y="0"/>
-          <a:chExt cx="0" cy="0"/>
-        </a:xfrm>
-      </p:grpSpPr>
-      <p:sp>
-        <p:nvSpPr>
-          <p:cNvPr id="2" name="Образ слайда 1"/>
-          <p:cNvSpPr>
-            <a:spLocks noGrp="1" noRot="1" noChangeAspect="1"/>
-          </p:cNvSpPr>
-          <p:nvPr>
-            <p:ph type="sldImg"/>
-          </p:nvPr>
-        </p:nvSpPr>
-        <p:spPr/>
-      </p:sp>
-      <p:sp>
-        <p:nvSpPr>
-          <p:cNvPr id="3" name="Заметки 2"/>
-          <p:cNvSpPr>
-            <a:spLocks noGrp="1"/>
-          </p:cNvSpPr>
-          <p:nvPr>
-            <p:ph type="body" idx="1"/>
-          </p:nvPr>
-        </p:nvSpPr>
-        <p:spPr/>
-        <p:txBody>
-          <a:bodyPr/>
-          <a:lstStyle/>
-          <a:p>
-            <a:endParaRPr lang="ru-RU"/>
-          </a:p>
-        </p:txBody>
-      </p:sp>
-      <p:sp>
-        <p:nvSpPr>
-          <p:cNvPr id="4" name="Номер слайда 3"/>
-          <p:cNvSpPr>
-            <a:spLocks noGrp="1"/>
-          </p:cNvSpPr>
-          <p:nvPr>
-            <p:ph type="sldNum" sz="quarter" idx="10"/>
-          </p:nvPr>
-        </p:nvSpPr>
-        <p:spPr/>
-        <p:txBody>
-          <a:bodyPr/>
-          <a:lstStyle/>
-          <a:p>
-            <a:fld id="{D1ADDFE2-316C-4C38-B34C-306BC7EC511F}" type="slidenum">
-              <a:rPr lang="ru-RU" smtClean="0"/>
-              <a:t>14</a:t>
-            </a:fld>
-            <a:endParaRPr lang="ru-RU"/>
-          </a:p>
-        </p:txBody>
-      </p:sp>
-    </p:spTree>
-    <p:extLst>
-      <p:ext uri="{BB962C8B-B14F-4D97-AF65-F5344CB8AC3E}">
-        <p14:creationId xmlns:p14="http://schemas.microsoft.com/office/powerpoint/2010/main" val="1607984014"/>
-      </p:ext>
-    </p:extLst>
-  </p:cSld>
-  <p:clrMapOvr>
-    <a:masterClrMapping/>
-  </p:clrMapOvr>
-</p:notes>
-</file>
-
 <file path=ppt/slideLayouts/slideLayout1.xml><?xml version="1.0" encoding="utf-8"?>
 <p:sldLayout xmlns:a="http://schemas.openxmlformats.org/drawingml/2006/main" xmlns:r="http://schemas.openxmlformats.org/officeDocument/2006/relationships" xmlns:p="http://schemas.openxmlformats.org/presentationml/2006/main" type="title" preserve="1">
   <p:cSld name="Титульный слайд">
@@ -693,7 +620,7 @@
           <a:p>
             <a:fld id="{AE097C11-80F5-481E-B089-278F1DD2686A}" type="datetimeFigureOut">
               <a:rPr lang="ru-RU" smtClean="0"/>
-              <a:t>29.09.2020</a:t>
+              <a:t>02.10.2020</a:t>
             </a:fld>
             <a:endParaRPr lang="ru-RU"/>
           </a:p>
@@ -863,7 +790,7 @@
           <a:p>
             <a:fld id="{AE097C11-80F5-481E-B089-278F1DD2686A}" type="datetimeFigureOut">
               <a:rPr lang="ru-RU" smtClean="0"/>
-              <a:t>29.09.2020</a:t>
+              <a:t>02.10.2020</a:t>
             </a:fld>
             <a:endParaRPr lang="ru-RU"/>
           </a:p>
@@ -1043,7 +970,7 @@
           <a:p>
             <a:fld id="{AE097C11-80F5-481E-B089-278F1DD2686A}" type="datetimeFigureOut">
               <a:rPr lang="ru-RU" smtClean="0"/>
-              <a:t>29.09.2020</a:t>
+              <a:t>02.10.2020</a:t>
             </a:fld>
             <a:endParaRPr lang="ru-RU"/>
           </a:p>
@@ -1213,7 +1140,7 @@
           <a:p>
             <a:fld id="{AE097C11-80F5-481E-B089-278F1DD2686A}" type="datetimeFigureOut">
               <a:rPr lang="ru-RU" smtClean="0"/>
-              <a:t>29.09.2020</a:t>
+              <a:t>02.10.2020</a:t>
             </a:fld>
             <a:endParaRPr lang="ru-RU"/>
           </a:p>
@@ -1459,7 +1386,7 @@
           <a:p>
             <a:fld id="{AE097C11-80F5-481E-B089-278F1DD2686A}" type="datetimeFigureOut">
               <a:rPr lang="ru-RU" smtClean="0"/>
-              <a:t>29.09.2020</a:t>
+              <a:t>02.10.2020</a:t>
             </a:fld>
             <a:endParaRPr lang="ru-RU"/>
           </a:p>
@@ -1691,7 +1618,7 @@
           <a:p>
             <a:fld id="{AE097C11-80F5-481E-B089-278F1DD2686A}" type="datetimeFigureOut">
               <a:rPr lang="ru-RU" smtClean="0"/>
-              <a:t>29.09.2020</a:t>
+              <a:t>02.10.2020</a:t>
             </a:fld>
             <a:endParaRPr lang="ru-RU"/>
           </a:p>
@@ -2058,7 +1985,7 @@
           <a:p>
             <a:fld id="{AE097C11-80F5-481E-B089-278F1DD2686A}" type="datetimeFigureOut">
               <a:rPr lang="ru-RU" smtClean="0"/>
-              <a:t>29.09.2020</a:t>
+              <a:t>02.10.2020</a:t>
             </a:fld>
             <a:endParaRPr lang="ru-RU"/>
           </a:p>
@@ -2176,7 +2103,7 @@
           <a:p>
             <a:fld id="{AE097C11-80F5-481E-B089-278F1DD2686A}" type="datetimeFigureOut">
               <a:rPr lang="ru-RU" smtClean="0"/>
-              <a:t>29.09.2020</a:t>
+              <a:t>02.10.2020</a:t>
             </a:fld>
             <a:endParaRPr lang="ru-RU"/>
           </a:p>
@@ -2271,7 +2198,7 @@
           <a:p>
             <a:fld id="{AE097C11-80F5-481E-B089-278F1DD2686A}" type="datetimeFigureOut">
               <a:rPr lang="ru-RU" smtClean="0"/>
-              <a:t>29.09.2020</a:t>
+              <a:t>02.10.2020</a:t>
             </a:fld>
             <a:endParaRPr lang="ru-RU"/>
           </a:p>
@@ -2548,7 +2475,7 @@
           <a:p>
             <a:fld id="{AE097C11-80F5-481E-B089-278F1DD2686A}" type="datetimeFigureOut">
               <a:rPr lang="ru-RU" smtClean="0"/>
-              <a:t>29.09.2020</a:t>
+              <a:t>02.10.2020</a:t>
             </a:fld>
             <a:endParaRPr lang="ru-RU"/>
           </a:p>
@@ -2801,7 +2728,7 @@
           <a:p>
             <a:fld id="{AE097C11-80F5-481E-B089-278F1DD2686A}" type="datetimeFigureOut">
               <a:rPr lang="ru-RU" smtClean="0"/>
-              <a:t>29.09.2020</a:t>
+              <a:t>02.10.2020</a:t>
             </a:fld>
             <a:endParaRPr lang="ru-RU"/>
           </a:p>
@@ -3014,7 +2941,7 @@
           <a:p>
             <a:fld id="{AE097C11-80F5-481E-B089-278F1DD2686A}" type="datetimeFigureOut">
               <a:rPr lang="ru-RU" smtClean="0"/>
-              <a:t>29.09.2020</a:t>
+              <a:t>02.10.2020</a:t>
             </a:fld>
             <a:endParaRPr lang="ru-RU"/>
           </a:p>
@@ -3543,6 +3470,116 @@
           <a:bodyPr/>
           <a:lstStyle/>
           <a:p>
+            <a:pPr algn="ctr"/>
+            <a:r>
+              <a:rPr lang="en-US" dirty="0" smtClean="0"/>
+              <a:t>View</a:t>
+            </a:r>
+            <a:endParaRPr lang="ru-RU" dirty="0"/>
+          </a:p>
+        </p:txBody>
+      </p:sp>
+      <p:pic>
+        <p:nvPicPr>
+          <p:cNvPr id="3074" name="Picture 2"/>
+          <p:cNvPicPr>
+            <a:picLocks noGrp="1" noChangeAspect="1" noChangeArrowheads="1"/>
+          </p:cNvPicPr>
+          <p:nvPr>
+            <p:ph idx="1"/>
+          </p:nvPr>
+        </p:nvPicPr>
+        <p:blipFill>
+          <a:blip r:embed="rId2">
+            <a:extLst>
+              <a:ext uri="{28A0092B-C50C-407E-A947-70E740481C1C}">
+                <a14:useLocalDpi xmlns:a14="http://schemas.microsoft.com/office/drawing/2010/main" val="0"/>
+              </a:ext>
+            </a:extLst>
+          </a:blip>
+          <a:srcRect/>
+          <a:stretch>
+            <a:fillRect/>
+          </a:stretch>
+        </p:blipFill>
+        <p:spPr bwMode="auto">
+          <a:xfrm>
+            <a:off x="988395" y="1576038"/>
+            <a:ext cx="9360950" cy="4988852"/>
+          </a:xfrm>
+          <a:prstGeom prst="rect">
+            <a:avLst/>
+          </a:prstGeom>
+          <a:noFill/>
+          <a:ln>
+            <a:noFill/>
+          </a:ln>
+          <a:extLst>
+            <a:ext uri="{909E8E84-426E-40DD-AFC4-6F175D3DCCD1}">
+              <a14:hiddenFill xmlns:a14="http://schemas.microsoft.com/office/drawing/2010/main">
+                <a:solidFill>
+                  <a:schemeClr val="accent1"/>
+                </a:solidFill>
+              </a14:hiddenFill>
+            </a:ext>
+            <a:ext uri="{91240B29-F687-4F45-9708-019B960494DF}">
+              <a14:hiddenLine xmlns:a14="http://schemas.microsoft.com/office/drawing/2010/main" w="9525">
+                <a:solidFill>
+                  <a:schemeClr val="tx1"/>
+                </a:solidFill>
+                <a:miter lim="800000"/>
+                <a:headEnd/>
+                <a:tailEnd/>
+              </a14:hiddenLine>
+            </a:ext>
+          </a:extLst>
+        </p:spPr>
+      </p:pic>
+    </p:spTree>
+    <p:extLst>
+      <p:ext uri="{BB962C8B-B14F-4D97-AF65-F5344CB8AC3E}">
+        <p14:creationId xmlns:p14="http://schemas.microsoft.com/office/powerpoint/2010/main" val="1198536849"/>
+      </p:ext>
+    </p:extLst>
+  </p:cSld>
+  <p:clrMapOvr>
+    <a:masterClrMapping/>
+  </p:clrMapOvr>
+</p:sld>
+</file>
+
+<file path=ppt/slides/slide11.xml><?xml version="1.0" encoding="utf-8"?>
+<p:sld xmlns:a="http://schemas.openxmlformats.org/drawingml/2006/main" xmlns:r="http://schemas.openxmlformats.org/officeDocument/2006/relationships" xmlns:p="http://schemas.openxmlformats.org/presentationml/2006/main">
+  <p:cSld>
+    <p:spTree>
+      <p:nvGrpSpPr>
+        <p:cNvPr id="1" name=""/>
+        <p:cNvGrpSpPr/>
+        <p:nvPr/>
+      </p:nvGrpSpPr>
+      <p:grpSpPr>
+        <a:xfrm>
+          <a:off x="0" y="0"/>
+          <a:ext cx="0" cy="0"/>
+          <a:chOff x="0" y="0"/>
+          <a:chExt cx="0" cy="0"/>
+        </a:xfrm>
+      </p:grpSpPr>
+      <p:sp>
+        <p:nvSpPr>
+          <p:cNvPr id="2" name="Заголовок 1"/>
+          <p:cNvSpPr>
+            <a:spLocks noGrp="1"/>
+          </p:cNvSpPr>
+          <p:nvPr>
+            <p:ph type="title"/>
+          </p:nvPr>
+        </p:nvSpPr>
+        <p:spPr/>
+        <p:txBody>
+          <a:bodyPr/>
+          <a:lstStyle/>
+          <a:p>
             <a:endParaRPr lang="ru-RU"/>
           </a:p>
         </p:txBody>
@@ -3616,7 +3653,7 @@
 </p:sld>
 </file>
 
-<file path=ppt/slides/slide11.xml><?xml version="1.0" encoding="utf-8"?>
+<file path=ppt/slides/slide12.xml><?xml version="1.0" encoding="utf-8"?>
 <p:sld xmlns:a="http://schemas.openxmlformats.org/drawingml/2006/main" xmlns:r="http://schemas.openxmlformats.org/officeDocument/2006/relationships" xmlns:p="http://schemas.openxmlformats.org/presentationml/2006/main">
   <p:cSld>
     <p:spTree>
@@ -3699,7 +3736,7 @@
 </p:sld>
 </file>
 
-<file path=ppt/slides/slide12.xml><?xml version="1.0" encoding="utf-8"?>
+<file path=ppt/slides/slide13.xml><?xml version="1.0" encoding="utf-8"?>
 <p:sld xmlns:a="http://schemas.openxmlformats.org/drawingml/2006/main" xmlns:r="http://schemas.openxmlformats.org/officeDocument/2006/relationships" xmlns:p="http://schemas.openxmlformats.org/presentationml/2006/main">
   <p:cSld>
     <p:spTree>
@@ -3777,7 +3814,7 @@
 </p:sld>
 </file>
 
-<file path=ppt/slides/slide13.xml><?xml version="1.0" encoding="utf-8"?>
+<file path=ppt/slides/slide14.xml><?xml version="1.0" encoding="utf-8"?>
 <p:sld xmlns:a="http://schemas.openxmlformats.org/drawingml/2006/main" xmlns:r="http://schemas.openxmlformats.org/officeDocument/2006/relationships" xmlns:p="http://schemas.openxmlformats.org/presentationml/2006/main">
   <p:cSld>
     <p:spTree>
@@ -3882,78 +3919,6 @@
 </p:sld>
 </file>
 
-<file path=ppt/slides/slide14.xml><?xml version="1.0" encoding="utf-8"?>
-<p:sld xmlns:a="http://schemas.openxmlformats.org/drawingml/2006/main" xmlns:r="http://schemas.openxmlformats.org/officeDocument/2006/relationships" xmlns:p="http://schemas.openxmlformats.org/presentationml/2006/main">
-  <p:cSld>
-    <p:spTree>
-      <p:nvGrpSpPr>
-        <p:cNvPr id="1" name=""/>
-        <p:cNvGrpSpPr/>
-        <p:nvPr/>
-      </p:nvGrpSpPr>
-      <p:grpSpPr>
-        <a:xfrm>
-          <a:off x="0" y="0"/>
-          <a:ext cx="0" cy="0"/>
-          <a:chOff x="0" y="0"/>
-          <a:chExt cx="0" cy="0"/>
-        </a:xfrm>
-      </p:grpSpPr>
-      <p:sp>
-        <p:nvSpPr>
-          <p:cNvPr id="2" name="Заголовок 1"/>
-          <p:cNvSpPr>
-            <a:spLocks noGrp="1"/>
-          </p:cNvSpPr>
-          <p:nvPr>
-            <p:ph type="title"/>
-          </p:nvPr>
-        </p:nvSpPr>
-        <p:spPr/>
-        <p:txBody>
-          <a:bodyPr/>
-          <a:lstStyle/>
-          <a:p>
-            <a:r>
-              <a:rPr lang="ru-RU" dirty="0" smtClean="0"/>
-              <a:t>Показ проекта</a:t>
-            </a:r>
-            <a:endParaRPr lang="ru-RU" dirty="0"/>
-          </a:p>
-        </p:txBody>
-      </p:sp>
-      <p:sp>
-        <p:nvSpPr>
-          <p:cNvPr id="3" name="Объект 2"/>
-          <p:cNvSpPr>
-            <a:spLocks noGrp="1"/>
-          </p:cNvSpPr>
-          <p:nvPr>
-            <p:ph idx="1"/>
-          </p:nvPr>
-        </p:nvSpPr>
-        <p:spPr/>
-        <p:txBody>
-          <a:bodyPr/>
-          <a:lstStyle/>
-          <a:p>
-            <a:endParaRPr lang="ru-RU" dirty="0"/>
-          </a:p>
-        </p:txBody>
-      </p:sp>
-    </p:spTree>
-    <p:extLst>
-      <p:ext uri="{BB962C8B-B14F-4D97-AF65-F5344CB8AC3E}">
-        <p14:creationId xmlns:p14="http://schemas.microsoft.com/office/powerpoint/2010/main" val="2876753366"/>
-      </p:ext>
-    </p:extLst>
-  </p:cSld>
-  <p:clrMapOvr>
-    <a:masterClrMapping/>
-  </p:clrMapOvr>
-</p:sld>
-</file>
-
 <file path=ppt/slides/slide2.xml><?xml version="1.0" encoding="utf-8"?>
 <p:sld xmlns:a="http://schemas.openxmlformats.org/drawingml/2006/main" xmlns:r="http://schemas.openxmlformats.org/officeDocument/2006/relationships" xmlns:p="http://schemas.openxmlformats.org/presentationml/2006/main">
   <p:cSld>
@@ -4068,14 +4033,21 @@
               <a:rPr lang="en-US" dirty="0" smtClean="0"/>
               <a:t>Composer</a:t>
             </a:r>
-            <a:endParaRPr lang="en-US" dirty="0" smtClean="0"/>
           </a:p>
           <a:p>
             <a:pPr marL="514350" indent="-514350">
               <a:buFont typeface="+mj-lt"/>
               <a:buAutoNum type="arabicPeriod"/>
             </a:pPr>
-            <a:endParaRPr lang="ru-RU" dirty="0"/>
+            <a:r>
+              <a:rPr lang="en-US" dirty="0" smtClean="0"/>
+              <a:t>Bootstrap</a:t>
+            </a:r>
+            <a:r>
+              <a:rPr lang="en-US" dirty="0"/>
+              <a:t> </a:t>
+            </a:r>
+            <a:endParaRPr lang="en-US" dirty="0" smtClean="0"/>
           </a:p>
         </p:txBody>
       </p:sp>
@@ -4456,6 +4428,75 @@
           </a:extLst>
         </p:spPr>
       </p:pic>
+      <p:sp>
+        <p:nvSpPr>
+          <p:cNvPr id="8" name="AutoShape 2" descr="Bootstrap (фреймворк) — Википедия"/>
+          <p:cNvSpPr>
+            <a:spLocks noChangeAspect="1" noChangeArrowheads="1"/>
+          </p:cNvSpPr>
+          <p:nvPr/>
+        </p:nvSpPr>
+        <p:spPr bwMode="auto">
+          <a:xfrm>
+            <a:off x="307975" y="7937"/>
+            <a:ext cx="304800" cy="304801"/>
+          </a:xfrm>
+          <a:prstGeom prst="rect">
+            <a:avLst/>
+          </a:prstGeom>
+          <a:noFill/>
+          <a:extLst>
+            <a:ext uri="{909E8E84-426E-40DD-AFC4-6F175D3DCCD1}">
+              <a14:hiddenFill xmlns:a14="http://schemas.microsoft.com/office/drawing/2010/main">
+                <a:solidFill>
+                  <a:srgbClr val="FFFFFF"/>
+                </a:solidFill>
+              </a14:hiddenFill>
+            </a:ext>
+          </a:extLst>
+        </p:spPr>
+        <p:txBody>
+          <a:bodyPr vert="horz" wrap="square" lIns="91440" tIns="45720" rIns="91440" bIns="45720" numCol="1" anchor="t" anchorCtr="0" compatLnSpc="1">
+            <a:prstTxWarp prst="textNoShape">
+              <a:avLst/>
+            </a:prstTxWarp>
+          </a:bodyPr>
+          <a:lstStyle/>
+          <a:p>
+            <a:endParaRPr lang="ru-RU"/>
+          </a:p>
+        </p:txBody>
+      </p:sp>
+      <p:pic>
+        <p:nvPicPr>
+          <p:cNvPr id="9" name="Рисунок 8"/>
+          <p:cNvPicPr>
+            <a:picLocks noChangeAspect="1"/>
+          </p:cNvPicPr>
+          <p:nvPr/>
+        </p:nvPicPr>
+        <p:blipFill>
+          <a:blip r:embed="rId8">
+            <a:extLst>
+              <a:ext uri="{28A0092B-C50C-407E-A947-70E740481C1C}">
+                <a14:useLocalDpi xmlns:a14="http://schemas.microsoft.com/office/drawing/2010/main" val="0"/>
+              </a:ext>
+            </a:extLst>
+          </a:blip>
+          <a:stretch>
+            <a:fillRect/>
+          </a:stretch>
+        </p:blipFill>
+        <p:spPr>
+          <a:xfrm>
+            <a:off x="7692745" y="4535871"/>
+            <a:ext cx="1390334" cy="1390334"/>
+          </a:xfrm>
+          <a:prstGeom prst="rect">
+            <a:avLst/>
+          </a:prstGeom>
+        </p:spPr>
+      </p:pic>
     </p:spTree>
     <p:extLst>
       <p:ext uri="{BB962C8B-B14F-4D97-AF65-F5344CB8AC3E}">
@@ -4502,8 +4543,96 @@
           <a:lstStyle/>
           <a:p>
             <a:r>
+              <a:rPr lang="ru-RU" dirty="0" smtClean="0"/>
+              <a:t>Использованные технологии</a:t>
+            </a:r>
+            <a:endParaRPr lang="ru-RU" dirty="0"/>
+          </a:p>
+        </p:txBody>
+      </p:sp>
+      <p:sp>
+        <p:nvSpPr>
+          <p:cNvPr id="3" name="Объект 2"/>
+          <p:cNvSpPr>
+            <a:spLocks noGrp="1"/>
+          </p:cNvSpPr>
+          <p:nvPr>
+            <p:ph idx="1"/>
+          </p:nvPr>
+        </p:nvSpPr>
+        <p:spPr/>
+        <p:txBody>
+          <a:bodyPr/>
+          <a:lstStyle/>
+          <a:p>
+            <a:pPr marL="514350" indent="-514350">
+              <a:buFont typeface="+mj-lt"/>
+              <a:buAutoNum type="arabicPeriod"/>
+            </a:pPr>
+            <a:r>
+              <a:rPr lang="en-US" dirty="0" err="1" smtClean="0"/>
+              <a:t>PHPStorm</a:t>
+            </a:r>
+            <a:r>
               <a:rPr lang="en-US" dirty="0" smtClean="0"/>
-              <a:t>Use case</a:t>
+              <a:t> </a:t>
+            </a:r>
+          </a:p>
+          <a:p>
+            <a:pPr marL="514350" indent="-514350">
+              <a:buFont typeface="+mj-lt"/>
+              <a:buAutoNum type="arabicPeriod"/>
+            </a:pPr>
+            <a:r>
+              <a:rPr lang="en-US" dirty="0" err="1" smtClean="0"/>
+              <a:t>OpenServer</a:t>
+            </a:r>
+            <a:endParaRPr lang="en-US" dirty="0" smtClean="0"/>
+          </a:p>
+          <a:p>
+            <a:pPr marL="514350" indent="-514350">
+              <a:buFont typeface="+mj-lt"/>
+              <a:buAutoNum type="arabicPeriod"/>
+            </a:pPr>
+            <a:r>
+              <a:rPr lang="en-US" dirty="0" smtClean="0"/>
+              <a:t>MySQL </a:t>
+            </a:r>
+            <a:r>
+              <a:rPr lang="en-US" dirty="0" err="1" smtClean="0"/>
+              <a:t>WorkBench</a:t>
+            </a:r>
+            <a:endParaRPr lang="en-US" dirty="0" smtClean="0"/>
+          </a:p>
+          <a:p>
+            <a:pPr marL="514350" indent="-514350">
+              <a:buFont typeface="+mj-lt"/>
+              <a:buAutoNum type="arabicPeriod"/>
+            </a:pPr>
+            <a:r>
+              <a:rPr lang="en-US" dirty="0" err="1" smtClean="0"/>
+              <a:t>Git</a:t>
+            </a:r>
+            <a:endParaRPr lang="en-US" dirty="0" smtClean="0"/>
+          </a:p>
+          <a:p>
+            <a:pPr marL="514350" indent="-514350">
+              <a:buFont typeface="+mj-lt"/>
+              <a:buAutoNum type="arabicPeriod"/>
+            </a:pPr>
+            <a:r>
+              <a:rPr lang="en-US" dirty="0" smtClean="0"/>
+              <a:t>GitHub</a:t>
+            </a:r>
+          </a:p>
+          <a:p>
+            <a:pPr marL="514350" indent="-514350">
+              <a:buFont typeface="+mj-lt"/>
+              <a:buAutoNum type="arabicPeriod"/>
+            </a:pPr>
+            <a:r>
+              <a:rPr lang="en-US" dirty="0" err="1" smtClean="0"/>
+              <a:t>PhpMyAdmin</a:t>
             </a:r>
             <a:endParaRPr lang="ru-RU" dirty="0"/>
           </a:p>
@@ -4511,13 +4640,11 @@
       </p:sp>
       <p:pic>
         <p:nvPicPr>
-          <p:cNvPr id="6" name="Объект 5"/>
+          <p:cNvPr id="4" name="Рисунок 3"/>
           <p:cNvPicPr>
-            <a:picLocks noGrp="1" noChangeAspect="1"/>
+            <a:picLocks noChangeAspect="1"/>
           </p:cNvPicPr>
-          <p:nvPr>
-            <p:ph idx="1"/>
-          </p:nvPr>
+          <p:nvPr/>
         </p:nvPicPr>
         <p:blipFill>
           <a:blip r:embed="rId2">
@@ -4533,15 +4660,108 @@
         </p:blipFill>
         <p:spPr>
           <a:xfrm>
-            <a:off x="828371" y="1871003"/>
-            <a:ext cx="10525429" cy="4256607"/>
+            <a:off x="4790892" y="1565031"/>
+            <a:ext cx="2610216" cy="2610216"/>
           </a:xfrm>
+          <a:prstGeom prst="rect">
+            <a:avLst/>
+          </a:prstGeom>
+        </p:spPr>
+      </p:pic>
+      <p:pic>
+        <p:nvPicPr>
+          <p:cNvPr id="5" name="Рисунок 4"/>
+          <p:cNvPicPr>
+            <a:picLocks noChangeAspect="1"/>
+          </p:cNvPicPr>
+          <p:nvPr/>
+        </p:nvPicPr>
+        <p:blipFill>
+          <a:blip r:embed="rId3" cstate="print">
+            <a:extLst>
+              <a:ext uri="{28A0092B-C50C-407E-A947-70E740481C1C}">
+                <a14:useLocalDpi xmlns:a14="http://schemas.microsoft.com/office/drawing/2010/main" val="0"/>
+              </a:ext>
+            </a:extLst>
+          </a:blip>
+          <a:stretch>
+            <a:fillRect/>
+          </a:stretch>
+        </p:blipFill>
+        <p:spPr>
+          <a:xfrm>
+            <a:off x="7992207" y="1448654"/>
+            <a:ext cx="2127739" cy="1196853"/>
+          </a:xfrm>
+          <a:prstGeom prst="rect">
+            <a:avLst/>
+          </a:prstGeom>
+        </p:spPr>
+      </p:pic>
+      <p:pic>
+        <p:nvPicPr>
+          <p:cNvPr id="6" name="Рисунок 5"/>
+          <p:cNvPicPr>
+            <a:picLocks noChangeAspect="1"/>
+          </p:cNvPicPr>
+          <p:nvPr/>
+        </p:nvPicPr>
+        <p:blipFill>
+          <a:blip r:embed="rId4" cstate="print">
+            <a:extLst>
+              <a:ext uri="{28A0092B-C50C-407E-A947-70E740481C1C}">
+                <a14:useLocalDpi xmlns:a14="http://schemas.microsoft.com/office/drawing/2010/main" val="0"/>
+              </a:ext>
+            </a:extLst>
+          </a:blip>
+          <a:stretch>
+            <a:fillRect/>
+          </a:stretch>
+        </p:blipFill>
+        <p:spPr>
+          <a:xfrm>
+            <a:off x="7690338" y="2977075"/>
+            <a:ext cx="3663462" cy="1923318"/>
+          </a:xfrm>
+          <a:prstGeom prst="rect">
+            <a:avLst/>
+          </a:prstGeom>
+        </p:spPr>
+      </p:pic>
+      <p:pic>
+        <p:nvPicPr>
+          <p:cNvPr id="7" name="Рисунок 6"/>
+          <p:cNvPicPr>
+            <a:picLocks noChangeAspect="1"/>
+          </p:cNvPicPr>
+          <p:nvPr/>
+        </p:nvPicPr>
+        <p:blipFill>
+          <a:blip r:embed="rId5" cstate="print">
+            <a:extLst>
+              <a:ext uri="{28A0092B-C50C-407E-A947-70E740481C1C}">
+                <a14:useLocalDpi xmlns:a14="http://schemas.microsoft.com/office/drawing/2010/main" val="0"/>
+              </a:ext>
+            </a:extLst>
+          </a:blip>
+          <a:stretch>
+            <a:fillRect/>
+          </a:stretch>
+        </p:blipFill>
+        <p:spPr>
+          <a:xfrm>
+            <a:off x="5145642" y="4455124"/>
+            <a:ext cx="1900716" cy="1049491"/>
+          </a:xfrm>
+          <a:prstGeom prst="rect">
+            <a:avLst/>
+          </a:prstGeom>
         </p:spPr>
       </p:pic>
     </p:spTree>
     <p:extLst>
       <p:ext uri="{BB962C8B-B14F-4D97-AF65-F5344CB8AC3E}">
-        <p14:creationId xmlns:p14="http://schemas.microsoft.com/office/powerpoint/2010/main" val="472395347"/>
+        <p14:creationId xmlns:p14="http://schemas.microsoft.com/office/powerpoint/2010/main" val="419766992"/>
       </p:ext>
     </p:extLst>
   </p:cSld>
@@ -4583,48 +4803,9 @@
           <a:bodyPr/>
           <a:lstStyle/>
           <a:p>
-            <a:pPr algn="ctr"/>
             <a:r>
               <a:rPr lang="en-US" dirty="0" smtClean="0"/>
-              <a:t>ER </a:t>
-            </a:r>
-            <a:r>
-              <a:rPr lang="en-US" dirty="0" smtClean="0"/>
-              <a:t>Diagram</a:t>
-            </a:r>
-            <a:endParaRPr lang="ru-RU" dirty="0"/>
-          </a:p>
-        </p:txBody>
-      </p:sp>
-      <p:sp>
-        <p:nvSpPr>
-          <p:cNvPr id="3" name="Объект 2"/>
-          <p:cNvSpPr>
-            <a:spLocks noGrp="1"/>
-          </p:cNvSpPr>
-          <p:nvPr>
-            <p:ph idx="1"/>
-          </p:nvPr>
-        </p:nvSpPr>
-        <p:spPr/>
-        <p:txBody>
-          <a:bodyPr/>
-          <a:lstStyle/>
-          <a:p>
-            <a:endParaRPr lang="en-US" dirty="0" smtClean="0"/>
-          </a:p>
-          <a:p>
-            <a:r>
-              <a:rPr lang="ru-RU" dirty="0" smtClean="0"/>
-              <a:t>Вставить </a:t>
-            </a:r>
-            <a:r>
-              <a:rPr lang="ru-RU" dirty="0" smtClean="0"/>
-              <a:t>кусочки </a:t>
-            </a:r>
-            <a:r>
-              <a:rPr lang="en-US" dirty="0" smtClean="0"/>
-              <a:t>SQL</a:t>
+              <a:t>Use case</a:t>
             </a:r>
             <a:endParaRPr lang="ru-RU" dirty="0"/>
           </a:p>
@@ -4632,11 +4813,13 @@
       </p:sp>
       <p:pic>
         <p:nvPicPr>
-          <p:cNvPr id="5" name="Рисунок 4"/>
+          <p:cNvPr id="6" name="Объект 5"/>
           <p:cNvPicPr>
-            <a:picLocks noChangeAspect="1"/>
+            <a:picLocks noGrp="1" noChangeAspect="1"/>
           </p:cNvPicPr>
-          <p:nvPr/>
+          <p:nvPr>
+            <p:ph idx="1"/>
+          </p:nvPr>
         </p:nvPicPr>
         <p:blipFill>
           <a:blip r:embed="rId2">
@@ -4652,8 +4835,35 @@
         </p:blipFill>
         <p:spPr>
           <a:xfrm>
-            <a:off x="851862" y="1440871"/>
-            <a:ext cx="8964276" cy="4224725"/>
+            <a:off x="828371" y="1871003"/>
+            <a:ext cx="10525429" cy="4256607"/>
+          </a:xfrm>
+        </p:spPr>
+      </p:pic>
+      <p:pic>
+        <p:nvPicPr>
+          <p:cNvPr id="3" name="Рисунок 2"/>
+          <p:cNvPicPr>
+            <a:picLocks noChangeAspect="1"/>
+          </p:cNvPicPr>
+          <p:nvPr/>
+        </p:nvPicPr>
+        <p:blipFill>
+          <a:blip r:embed="rId3" cstate="print">
+            <a:extLst>
+              <a:ext uri="{28A0092B-C50C-407E-A947-70E740481C1C}">
+                <a14:useLocalDpi xmlns:a14="http://schemas.microsoft.com/office/drawing/2010/main" val="0"/>
+              </a:ext>
+            </a:extLst>
+          </a:blip>
+          <a:stretch>
+            <a:fillRect/>
+          </a:stretch>
+        </p:blipFill>
+        <p:spPr>
+          <a:xfrm>
+            <a:off x="633046" y="1162455"/>
+            <a:ext cx="10295792" cy="5695545"/>
           </a:xfrm>
           <a:prstGeom prst="rect">
             <a:avLst/>
@@ -4663,7 +4873,7 @@
     </p:spTree>
     <p:extLst>
       <p:ext uri="{BB962C8B-B14F-4D97-AF65-F5344CB8AC3E}">
-        <p14:creationId xmlns:p14="http://schemas.microsoft.com/office/powerpoint/2010/main" val="2587232008"/>
+        <p14:creationId xmlns:p14="http://schemas.microsoft.com/office/powerpoint/2010/main" val="472395347"/>
       </p:ext>
     </p:extLst>
   </p:cSld>
@@ -4705,83 +4915,48 @@
           <a:bodyPr/>
           <a:lstStyle/>
           <a:p>
+            <a:pPr algn="ctr"/>
+            <a:r>
+              <a:rPr lang="en-US" dirty="0" smtClean="0"/>
+              <a:t>ER Diagram</a:t>
+            </a:r>
             <a:endParaRPr lang="ru-RU" dirty="0"/>
           </a:p>
         </p:txBody>
       </p:sp>
-      <p:sp>
-        <p:nvSpPr>
-          <p:cNvPr id="3" name="Объект 2"/>
-          <p:cNvSpPr>
-            <a:spLocks noGrp="1"/>
-          </p:cNvSpPr>
-          <p:nvPr>
-            <p:ph idx="1"/>
-          </p:nvPr>
-        </p:nvSpPr>
-        <p:spPr/>
-        <p:txBody>
-          <a:bodyPr/>
-          <a:lstStyle/>
-          <a:p>
-            <a:r>
-              <a:rPr lang="en-US" dirty="0"/>
-              <a:t>CREATE </a:t>
-            </a:r>
-            <a:r>
-              <a:rPr lang="en-US" dirty="0"/>
-              <a:t>DATABASE IF </a:t>
-            </a:r>
-            <a:r>
-              <a:rPr lang="en-US" dirty="0"/>
-              <a:t>NOT EXISTS </a:t>
-            </a:r>
-            <a:r>
-              <a:rPr lang="en-US" dirty="0"/>
-              <a:t>`project2` </a:t>
-            </a:r>
-            <a:r>
-              <a:rPr lang="en-US" dirty="0"/>
-              <a:t>DEFAULT CHARACTER SET </a:t>
-            </a:r>
-            <a:r>
-              <a:rPr lang="en-US" dirty="0"/>
-              <a:t>utf8mb4 </a:t>
-            </a:r>
-            <a:r>
-              <a:rPr lang="en-US" dirty="0"/>
-              <a:t>COLLATE </a:t>
-            </a:r>
-            <a:r>
-              <a:rPr lang="en-US" dirty="0"/>
-              <a:t>utf8mb4_unicode_ci</a:t>
-            </a:r>
-            <a:r>
-              <a:rPr lang="en-US" dirty="0"/>
-              <a:t>;</a:t>
-            </a:r>
-            <a:br>
-              <a:rPr lang="en-US" dirty="0"/>
-            </a:br>
-            <a:r>
-              <a:rPr lang="en-US" dirty="0"/>
-              <a:t>USE `project2`</a:t>
-            </a:r>
-            <a:r>
-              <a:rPr lang="en-US" dirty="0"/>
-              <a:t>;</a:t>
-            </a:r>
-            <a:br>
-              <a:rPr lang="en-US" dirty="0"/>
-            </a:br>
-            <a:endParaRPr lang="ru-RU" dirty="0"/>
-          </a:p>
-        </p:txBody>
-      </p:sp>
+      <p:pic>
+        <p:nvPicPr>
+          <p:cNvPr id="5" name="Рисунок 4"/>
+          <p:cNvPicPr>
+            <a:picLocks noChangeAspect="1"/>
+          </p:cNvPicPr>
+          <p:nvPr/>
+        </p:nvPicPr>
+        <p:blipFill rotWithShape="1">
+          <a:blip r:embed="rId2">
+            <a:extLst>
+              <a:ext uri="{28A0092B-C50C-407E-A947-70E740481C1C}">
+                <a14:useLocalDpi xmlns:a14="http://schemas.microsoft.com/office/drawing/2010/main" val="0"/>
+              </a:ext>
+            </a:extLst>
+          </a:blip>
+          <a:srcRect l="4817" t="5646" r="1613" b="705"/>
+          <a:stretch/>
+        </p:blipFill>
+        <p:spPr>
+          <a:xfrm>
+            <a:off x="1902069" y="1819031"/>
+            <a:ext cx="8387861" cy="3956538"/>
+          </a:xfrm>
+          <a:prstGeom prst="rect">
+            <a:avLst/>
+          </a:prstGeom>
+        </p:spPr>
+      </p:pic>
     </p:spTree>
     <p:extLst>
       <p:ext uri="{BB962C8B-B14F-4D97-AF65-F5344CB8AC3E}">
-        <p14:creationId xmlns:p14="http://schemas.microsoft.com/office/powerpoint/2010/main" val="4107797229"/>
+        <p14:creationId xmlns:p14="http://schemas.microsoft.com/office/powerpoint/2010/main" val="2587232008"/>
       </p:ext>
     </p:extLst>
   </p:cSld>
@@ -4823,6 +4998,88 @@
           <a:bodyPr/>
           <a:lstStyle/>
           <a:p>
+            <a:endParaRPr lang="ru-RU" dirty="0"/>
+          </a:p>
+        </p:txBody>
+      </p:sp>
+      <p:sp>
+        <p:nvSpPr>
+          <p:cNvPr id="3" name="Объект 2"/>
+          <p:cNvSpPr>
+            <a:spLocks noGrp="1"/>
+          </p:cNvSpPr>
+          <p:nvPr>
+            <p:ph idx="1"/>
+          </p:nvPr>
+        </p:nvSpPr>
+        <p:spPr/>
+        <p:txBody>
+          <a:bodyPr/>
+          <a:lstStyle/>
+          <a:p>
+            <a:r>
+              <a:rPr lang="en-US" dirty="0"/>
+              <a:t>CREATE DATABASE IF NOT EXISTS `project2` DEFAULT CHARACTER SET utf8mb4 COLLATE utf8mb4_unicode_ci;</a:t>
+            </a:r>
+            <a:br>
+              <a:rPr lang="en-US" dirty="0"/>
+            </a:br>
+            <a:r>
+              <a:rPr lang="en-US" dirty="0"/>
+              <a:t>USE `project2`;</a:t>
+            </a:r>
+            <a:br>
+              <a:rPr lang="en-US" dirty="0"/>
+            </a:br>
+            <a:endParaRPr lang="ru-RU" dirty="0"/>
+          </a:p>
+        </p:txBody>
+      </p:sp>
+    </p:spTree>
+    <p:extLst>
+      <p:ext uri="{BB962C8B-B14F-4D97-AF65-F5344CB8AC3E}">
+        <p14:creationId xmlns:p14="http://schemas.microsoft.com/office/powerpoint/2010/main" val="4107797229"/>
+      </p:ext>
+    </p:extLst>
+  </p:cSld>
+  <p:clrMapOvr>
+    <a:masterClrMapping/>
+  </p:clrMapOvr>
+</p:sld>
+</file>
+
+<file path=ppt/slides/slide7.xml><?xml version="1.0" encoding="utf-8"?>
+<p:sld xmlns:a="http://schemas.openxmlformats.org/drawingml/2006/main" xmlns:r="http://schemas.openxmlformats.org/officeDocument/2006/relationships" xmlns:p="http://schemas.openxmlformats.org/presentationml/2006/main">
+  <p:cSld>
+    <p:spTree>
+      <p:nvGrpSpPr>
+        <p:cNvPr id="1" name=""/>
+        <p:cNvGrpSpPr/>
+        <p:nvPr/>
+      </p:nvGrpSpPr>
+      <p:grpSpPr>
+        <a:xfrm>
+          <a:off x="0" y="0"/>
+          <a:ext cx="0" cy="0"/>
+          <a:chOff x="0" y="0"/>
+          <a:chExt cx="0" cy="0"/>
+        </a:xfrm>
+      </p:grpSpPr>
+      <p:sp>
+        <p:nvSpPr>
+          <p:cNvPr id="2" name="Заголовок 1"/>
+          <p:cNvSpPr>
+            <a:spLocks noGrp="1"/>
+          </p:cNvSpPr>
+          <p:nvPr>
+            <p:ph type="title"/>
+          </p:nvPr>
+        </p:nvSpPr>
+        <p:spPr/>
+        <p:txBody>
+          <a:bodyPr/>
+          <a:lstStyle/>
+          <a:p>
             <a:r>
               <a:rPr lang="en-US" dirty="0" smtClean="0"/>
               <a:t>MVC</a:t>
@@ -4853,7 +5110,6 @@
               <a:rPr lang="en-US" dirty="0" smtClean="0"/>
               <a:t>Model</a:t>
             </a:r>
-            <a:endParaRPr lang="en-US" dirty="0" smtClean="0"/>
           </a:p>
           <a:p>
             <a:pPr marL="0" indent="0">
@@ -4918,7 +5174,7 @@
 </p:sld>
 </file>
 
-<file path=ppt/slides/slide7.xml><?xml version="1.0" encoding="utf-8"?>
+<file path=ppt/slides/slide8.xml><?xml version="1.0" encoding="utf-8"?>
 <p:sld xmlns:a="http://schemas.openxmlformats.org/drawingml/2006/main" xmlns:r="http://schemas.openxmlformats.org/officeDocument/2006/relationships" xmlns:p="http://schemas.openxmlformats.org/presentationml/2006/main">
   <p:cSld>
     <p:spTree>
@@ -5026,7 +5282,7 @@
 </p:sld>
 </file>
 
-<file path=ppt/slides/slide8.xml><?xml version="1.0" encoding="utf-8"?>
+<file path=ppt/slides/slide9.xml><?xml version="1.0" encoding="utf-8"?>
 <p:sld xmlns:a="http://schemas.openxmlformats.org/drawingml/2006/main" xmlns:r="http://schemas.openxmlformats.org/officeDocument/2006/relationships" xmlns:p="http://schemas.openxmlformats.org/presentationml/2006/main">
   <p:cSld>
     <p:spTree>
@@ -5122,116 +5378,6 @@
     <p:extLst>
       <p:ext uri="{BB962C8B-B14F-4D97-AF65-F5344CB8AC3E}">
         <p14:creationId xmlns:p14="http://schemas.microsoft.com/office/powerpoint/2010/main" val="4279500732"/>
-      </p:ext>
-    </p:extLst>
-  </p:cSld>
-  <p:clrMapOvr>
-    <a:masterClrMapping/>
-  </p:clrMapOvr>
-</p:sld>
-</file>
-
-<file path=ppt/slides/slide9.xml><?xml version="1.0" encoding="utf-8"?>
-<p:sld xmlns:a="http://schemas.openxmlformats.org/drawingml/2006/main" xmlns:r="http://schemas.openxmlformats.org/officeDocument/2006/relationships" xmlns:p="http://schemas.openxmlformats.org/presentationml/2006/main">
-  <p:cSld>
-    <p:spTree>
-      <p:nvGrpSpPr>
-        <p:cNvPr id="1" name=""/>
-        <p:cNvGrpSpPr/>
-        <p:nvPr/>
-      </p:nvGrpSpPr>
-      <p:grpSpPr>
-        <a:xfrm>
-          <a:off x="0" y="0"/>
-          <a:ext cx="0" cy="0"/>
-          <a:chOff x="0" y="0"/>
-          <a:chExt cx="0" cy="0"/>
-        </a:xfrm>
-      </p:grpSpPr>
-      <p:sp>
-        <p:nvSpPr>
-          <p:cNvPr id="2" name="Заголовок 1"/>
-          <p:cNvSpPr>
-            <a:spLocks noGrp="1"/>
-          </p:cNvSpPr>
-          <p:nvPr>
-            <p:ph type="title"/>
-          </p:nvPr>
-        </p:nvSpPr>
-        <p:spPr/>
-        <p:txBody>
-          <a:bodyPr/>
-          <a:lstStyle/>
-          <a:p>
-            <a:pPr algn="ctr"/>
-            <a:r>
-              <a:rPr lang="en-US" dirty="0" smtClean="0"/>
-              <a:t>View</a:t>
-            </a:r>
-            <a:endParaRPr lang="ru-RU" dirty="0"/>
-          </a:p>
-        </p:txBody>
-      </p:sp>
-      <p:pic>
-        <p:nvPicPr>
-          <p:cNvPr id="3074" name="Picture 2"/>
-          <p:cNvPicPr>
-            <a:picLocks noGrp="1" noChangeAspect="1" noChangeArrowheads="1"/>
-          </p:cNvPicPr>
-          <p:nvPr>
-            <p:ph idx="1"/>
-          </p:nvPr>
-        </p:nvPicPr>
-        <p:blipFill>
-          <a:blip r:embed="rId2">
-            <a:extLst>
-              <a:ext uri="{28A0092B-C50C-407E-A947-70E740481C1C}">
-                <a14:useLocalDpi xmlns:a14="http://schemas.microsoft.com/office/drawing/2010/main" val="0"/>
-              </a:ext>
-            </a:extLst>
-          </a:blip>
-          <a:srcRect/>
-          <a:stretch>
-            <a:fillRect/>
-          </a:stretch>
-        </p:blipFill>
-        <p:spPr bwMode="auto">
-          <a:xfrm>
-            <a:off x="988395" y="1576038"/>
-            <a:ext cx="9360950" cy="4988852"/>
-          </a:xfrm>
-          <a:prstGeom prst="rect">
-            <a:avLst/>
-          </a:prstGeom>
-          <a:noFill/>
-          <a:ln>
-            <a:noFill/>
-          </a:ln>
-          <a:extLst>
-            <a:ext uri="{909E8E84-426E-40DD-AFC4-6F175D3DCCD1}">
-              <a14:hiddenFill xmlns:a14="http://schemas.microsoft.com/office/drawing/2010/main">
-                <a:solidFill>
-                  <a:schemeClr val="accent1"/>
-                </a:solidFill>
-              </a14:hiddenFill>
-            </a:ext>
-            <a:ext uri="{91240B29-F687-4F45-9708-019B960494DF}">
-              <a14:hiddenLine xmlns:a14="http://schemas.microsoft.com/office/drawing/2010/main" w="9525">
-                <a:solidFill>
-                  <a:schemeClr val="tx1"/>
-                </a:solidFill>
-                <a:miter lim="800000"/>
-                <a:headEnd/>
-                <a:tailEnd/>
-              </a14:hiddenLine>
-            </a:ext>
-          </a:extLst>
-        </p:spPr>
-      </p:pic>
-    </p:spTree>
-    <p:extLst>
-      <p:ext uri="{BB962C8B-B14F-4D97-AF65-F5344CB8AC3E}">
-        <p14:creationId xmlns:p14="http://schemas.microsoft.com/office/powerpoint/2010/main" val="1198536849"/>
       </p:ext>
     </p:extLst>
   </p:cSld>
@@ -5496,7 +5642,7 @@
   <a:extraClrSchemeLst/>
   <a:extLst>
     <a:ext uri="{05A4C25C-085E-4340-85A3-A5531E510DB2}">
-      <thm15:themeFamily xmlns:thm15="http://schemas.microsoft.com/office/thememl/2012/main" xmlns="" name="Office Theme" id="{62F939B6-93AF-4DB8-9C6B-D6C7DFDC589F}" vid="{4A3C46E8-61CC-4603-A589-7422A47A8E4A}"/>
+      <thm15:themeFamily xmlns:thm15="http://schemas.microsoft.com/office/thememl/2012/main" name="Office Theme" id="{62F939B6-93AF-4DB8-9C6B-D6C7DFDC589F}" vid="{4A3C46E8-61CC-4603-A589-7422A47A8E4A}"/>
     </a:ext>
   </a:extLst>
 </a:theme>
@@ -5757,7 +5903,7 @@
   <a:extraClrSchemeLst/>
   <a:extLst>
     <a:ext uri="{05A4C25C-085E-4340-85A3-A5531E510DB2}">
-      <thm15:themeFamily xmlns:thm15="http://schemas.microsoft.com/office/thememl/2012/main" xmlns="" name="Office Theme" id="{62F939B6-93AF-4DB8-9C6B-D6C7DFDC589F}" vid="{4A3C46E8-61CC-4603-A589-7422A47A8E4A}"/>
+      <thm15:themeFamily xmlns:thm15="http://schemas.microsoft.com/office/thememl/2012/main" name="Office Theme" id="{62F939B6-93AF-4DB8-9C6B-D6C7DFDC589F}" vid="{4A3C46E8-61CC-4603-A589-7422A47A8E4A}"/>
     </a:ext>
   </a:extLst>
 </a:theme>
